--- a/Soft Skill Assignment/Python.pptx
+++ b/Soft Skill Assignment/Python.pptx
@@ -5,31 +5,30 @@
     <p:sldMasterId id="2147483672" r:id="rId1"/>
   </p:sldMasterIdLst>
   <p:notesMasterIdLst>
-    <p:notesMasterId r:id="rId12"/>
+    <p:notesMasterId r:id="rId11"/>
   </p:notesMasterIdLst>
   <p:sldIdLst>
     <p:sldId id="256" r:id="rId2"/>
     <p:sldId id="258" r:id="rId3"/>
     <p:sldId id="257" r:id="rId4"/>
     <p:sldId id="259" r:id="rId5"/>
-    <p:sldId id="283" r:id="rId6"/>
-    <p:sldId id="282" r:id="rId7"/>
-    <p:sldId id="262" r:id="rId8"/>
-    <p:sldId id="284" r:id="rId9"/>
-    <p:sldId id="285" r:id="rId10"/>
-    <p:sldId id="281" r:id="rId11"/>
+    <p:sldId id="282" r:id="rId6"/>
+    <p:sldId id="262" r:id="rId7"/>
+    <p:sldId id="284" r:id="rId8"/>
+    <p:sldId id="285" r:id="rId9"/>
+    <p:sldId id="281" r:id="rId10"/>
   </p:sldIdLst>
   <p:sldSz cx="9144000" cy="5143500" type="screen16x9"/>
   <p:notesSz cx="6858000" cy="9144000"/>
   <p:embeddedFontLst>
     <p:embeddedFont>
-      <p:font typeface="Anaheim" panose="020B0604020202020204" charset="0"/>
-      <p:regular r:id="rId13"/>
+      <p:font typeface="Overpass Mono" panose="020B0604020202020204" charset="0"/>
+      <p:regular r:id="rId12"/>
+      <p:bold r:id="rId13"/>
     </p:embeddedFont>
     <p:embeddedFont>
-      <p:font typeface="Overpass Mono" panose="020B0604020202020204" charset="0"/>
+      <p:font typeface="Anaheim" panose="020B0604020202020204" charset="0"/>
       <p:regular r:id="rId14"/>
-      <p:bold r:id="rId15"/>
     </p:embeddedFont>
   </p:embeddedFontLst>
   <p:defaultTextStyle>
@@ -1156,115 +1155,6 @@
   <p:cSld>
     <p:spTree>
       <p:nvGrpSpPr>
-        <p:cNvPr id="1" name="Shape 921"/>
-        <p:cNvGrpSpPr/>
-        <p:nvPr/>
-      </p:nvGrpSpPr>
-      <p:grpSpPr>
-        <a:xfrm>
-          <a:off x="0" y="0"/>
-          <a:ext cx="0" cy="0"/>
-          <a:chOff x="0" y="0"/>
-          <a:chExt cx="0" cy="0"/>
-        </a:xfrm>
-      </p:grpSpPr>
-      <p:sp>
-        <p:nvSpPr>
-          <p:cNvPr id="922" name="Google Shape;922;g8dec9ae14f_0_113:notes"/>
-          <p:cNvSpPr>
-            <a:spLocks noGrp="1" noRot="1" noChangeAspect="1"/>
-          </p:cNvSpPr>
-          <p:nvPr>
-            <p:ph type="sldImg" idx="2"/>
-          </p:nvPr>
-        </p:nvSpPr>
-        <p:spPr>
-          <a:xfrm>
-            <a:off x="381000" y="685800"/>
-            <a:ext cx="6096000" cy="3429000"/>
-          </a:xfrm>
-          <a:custGeom>
-            <a:avLst/>
-            <a:gdLst/>
-            <a:ahLst/>
-            <a:cxnLst/>
-            <a:rect l="l" t="t" r="r" b="b"/>
-            <a:pathLst>
-              <a:path w="120000" h="120000" extrusionOk="0">
-                <a:moveTo>
-                  <a:pt x="0" y="0"/>
-                </a:moveTo>
-                <a:lnTo>
-                  <a:pt x="120000" y="0"/>
-                </a:lnTo>
-                <a:lnTo>
-                  <a:pt x="120000" y="120000"/>
-                </a:lnTo>
-                <a:lnTo>
-                  <a:pt x="0" y="120000"/>
-                </a:lnTo>
-                <a:close/>
-              </a:path>
-            </a:pathLst>
-          </a:custGeom>
-        </p:spPr>
-      </p:sp>
-      <p:sp>
-        <p:nvSpPr>
-          <p:cNvPr id="923" name="Google Shape;923;g8dec9ae14f_0_113:notes"/>
-          <p:cNvSpPr txBox="1">
-            <a:spLocks noGrp="1"/>
-          </p:cNvSpPr>
-          <p:nvPr>
-            <p:ph type="body" idx="1"/>
-          </p:nvPr>
-        </p:nvSpPr>
-        <p:spPr>
-          <a:xfrm>
-            <a:off x="685800" y="4343400"/>
-            <a:ext cx="5486400" cy="4114800"/>
-          </a:xfrm>
-          <a:prstGeom prst="rect">
-            <a:avLst/>
-          </a:prstGeom>
-        </p:spPr>
-        <p:txBody>
-          <a:bodyPr spcFirstLastPara="1" wrap="square" lIns="91425" tIns="91425" rIns="91425" bIns="91425" anchor="t" anchorCtr="0">
-            <a:noAutofit/>
-          </a:bodyPr>
-          <a:lstStyle/>
-          <a:p>
-            <a:pPr marL="0" lvl="0" indent="0" algn="l" rtl="0">
-              <a:spcBef>
-                <a:spcPts val="0"/>
-              </a:spcBef>
-              <a:spcAft>
-                <a:spcPts val="0"/>
-              </a:spcAft>
-              <a:buNone/>
-            </a:pPr>
-            <a:endParaRPr/>
-          </a:p>
-        </p:txBody>
-      </p:sp>
-    </p:spTree>
-    <p:extLst>
-      <p:ext uri="{BB962C8B-B14F-4D97-AF65-F5344CB8AC3E}">
-        <p14:creationId xmlns:p14="http://schemas.microsoft.com/office/powerpoint/2010/main" val="2690879039"/>
-      </p:ext>
-    </p:extLst>
-  </p:cSld>
-  <p:clrMapOvr>
-    <a:masterClrMapping/>
-  </p:clrMapOvr>
-</p:notes>
-</file>
-
-<file path=ppt/notesSlides/notesSlide6.xml><?xml version="1.0" encoding="utf-8"?>
-<p:notes xmlns:a="http://schemas.openxmlformats.org/drawingml/2006/main" xmlns:r="http://schemas.openxmlformats.org/officeDocument/2006/relationships" xmlns:p="http://schemas.openxmlformats.org/presentationml/2006/main" showMasterSp="0" showMasterPhAnim="0">
-  <p:cSld>
-    <p:spTree>
-      <p:nvGrpSpPr>
         <p:cNvPr id="1" name="Shape 915"/>
         <p:cNvGrpSpPr/>
         <p:nvPr/>
@@ -1369,7 +1259,7 @@
 </p:notes>
 </file>
 
-<file path=ppt/notesSlides/notesSlide7.xml><?xml version="1.0" encoding="utf-8"?>
+<file path=ppt/notesSlides/notesSlide6.xml><?xml version="1.0" encoding="utf-8"?>
 <p:notes xmlns:a="http://schemas.openxmlformats.org/drawingml/2006/main" xmlns:r="http://schemas.openxmlformats.org/officeDocument/2006/relationships" xmlns:p="http://schemas.openxmlformats.org/presentationml/2006/main" showMasterSp="0" showMasterPhAnim="0">
   <p:cSld>
     <p:spTree>
@@ -1478,7 +1368,7 @@
 </p:notes>
 </file>
 
-<file path=ppt/notesSlides/notesSlide8.xml><?xml version="1.0" encoding="utf-8"?>
+<file path=ppt/notesSlides/notesSlide7.xml><?xml version="1.0" encoding="utf-8"?>
 <p:notes xmlns:a="http://schemas.openxmlformats.org/drawingml/2006/main" xmlns:r="http://schemas.openxmlformats.org/officeDocument/2006/relationships" xmlns:p="http://schemas.openxmlformats.org/presentationml/2006/main">
   <p:cSld>
     <p:spTree>
@@ -1505,7 +1395,12 @@
             <p:ph type="sldImg"/>
           </p:nvPr>
         </p:nvSpPr>
-        <p:spPr/>
+        <p:spPr>
+          <a:xfrm>
+            <a:off x="381000" y="685800"/>
+            <a:ext cx="6096000" cy="3429000"/>
+          </a:xfrm>
+        </p:spPr>
       </p:sp>
       <p:sp>
         <p:nvSpPr>
@@ -1539,7 +1434,7 @@
 </p:notes>
 </file>
 
-<file path=ppt/notesSlides/notesSlide9.xml><?xml version="1.0" encoding="utf-8"?>
+<file path=ppt/notesSlides/notesSlide8.xml><?xml version="1.0" encoding="utf-8"?>
 <p:notes xmlns:a="http://schemas.openxmlformats.org/drawingml/2006/main" xmlns:r="http://schemas.openxmlformats.org/officeDocument/2006/relationships" xmlns:p="http://schemas.openxmlformats.org/presentationml/2006/main" showMasterSp="0" showMasterPhAnim="0">
   <p:cSld>
     <p:spTree>
@@ -12438,7 +12333,1530 @@
 </p:sld>
 </file>
 
-<file path=ppt/slides/slide10.xml><?xml version="1.0" encoding="utf-8"?>
+<file path=ppt/slides/slide2.xml><?xml version="1.0" encoding="utf-8"?>
+<p:sld xmlns:a="http://schemas.openxmlformats.org/drawingml/2006/main" xmlns:r="http://schemas.openxmlformats.org/officeDocument/2006/relationships" xmlns:p="http://schemas.openxmlformats.org/presentationml/2006/main">
+  <p:cSld>
+    <p:spTree>
+      <p:nvGrpSpPr>
+        <p:cNvPr id="1" name="Shape 346"/>
+        <p:cNvGrpSpPr/>
+        <p:nvPr/>
+      </p:nvGrpSpPr>
+      <p:grpSpPr>
+        <a:xfrm>
+          <a:off x="0" y="0"/>
+          <a:ext cx="0" cy="0"/>
+          <a:chOff x="0" y="0"/>
+          <a:chExt cx="0" cy="0"/>
+        </a:xfrm>
+      </p:grpSpPr>
+      <p:sp>
+        <p:nvSpPr>
+          <p:cNvPr id="347" name="Google Shape;347;p29"/>
+          <p:cNvSpPr txBox="1">
+            <a:spLocks noGrp="1"/>
+          </p:cNvSpPr>
+          <p:nvPr>
+            <p:ph type="title" idx="5"/>
+          </p:nvPr>
+        </p:nvSpPr>
+        <p:spPr>
+          <a:xfrm>
+            <a:off x="1278000" y="342000"/>
+            <a:ext cx="6588000" cy="669000"/>
+          </a:xfrm>
+          <a:prstGeom prst="rect">
+            <a:avLst/>
+          </a:prstGeom>
+        </p:spPr>
+        <p:txBody>
+          <a:bodyPr spcFirstLastPara="1" wrap="square" lIns="91425" tIns="91425" rIns="91425" bIns="91425" anchor="t" anchorCtr="0">
+            <a:noAutofit/>
+          </a:bodyPr>
+          <a:lstStyle/>
+          <a:p>
+            <a:pPr marL="0" lvl="0" indent="0" algn="ctr" rtl="0">
+              <a:spcBef>
+                <a:spcPts val="0"/>
+              </a:spcBef>
+              <a:spcAft>
+                <a:spcPts val="0"/>
+              </a:spcAft>
+              <a:buNone/>
+            </a:pPr>
+            <a:r>
+              <a:rPr lang="en" dirty="0" smtClean="0"/>
+              <a:t>CONTENTS</a:t>
+            </a:r>
+            <a:endParaRPr dirty="0"/>
+          </a:p>
+        </p:txBody>
+      </p:sp>
+      <p:sp>
+        <p:nvSpPr>
+          <p:cNvPr id="348" name="Google Shape;348;p29"/>
+          <p:cNvSpPr txBox="1">
+            <a:spLocks noGrp="1"/>
+          </p:cNvSpPr>
+          <p:nvPr>
+            <p:ph type="ctrTitle"/>
+          </p:nvPr>
+        </p:nvSpPr>
+        <p:spPr>
+          <a:xfrm flipH="1">
+            <a:off x="2189800" y="1848349"/>
+            <a:ext cx="2163900" cy="240900"/>
+          </a:xfrm>
+          <a:prstGeom prst="rect">
+            <a:avLst/>
+          </a:prstGeom>
+        </p:spPr>
+        <p:txBody>
+          <a:bodyPr spcFirstLastPara="1" wrap="square" lIns="91425" tIns="0" rIns="91425" bIns="0" anchor="b" anchorCtr="0">
+            <a:noAutofit/>
+          </a:bodyPr>
+          <a:lstStyle/>
+          <a:p>
+            <a:pPr marL="0" lvl="0" indent="0" algn="l" rtl="0">
+              <a:spcBef>
+                <a:spcPts val="0"/>
+              </a:spcBef>
+              <a:spcAft>
+                <a:spcPts val="0"/>
+              </a:spcAft>
+              <a:buNone/>
+            </a:pPr>
+            <a:r>
+              <a:rPr lang="en" sz="3500" b="1"/>
+              <a:t>01</a:t>
+            </a:r>
+            <a:endParaRPr sz="3500" b="1"/>
+          </a:p>
+        </p:txBody>
+      </p:sp>
+      <p:sp>
+        <p:nvSpPr>
+          <p:cNvPr id="349" name="Google Shape;349;p29"/>
+          <p:cNvSpPr txBox="1">
+            <a:spLocks noGrp="1"/>
+          </p:cNvSpPr>
+          <p:nvPr>
+            <p:ph type="subTitle" idx="1"/>
+          </p:nvPr>
+        </p:nvSpPr>
+        <p:spPr>
+          <a:xfrm flipH="1">
+            <a:off x="1489753" y="2162325"/>
+            <a:ext cx="2863948" cy="426600"/>
+          </a:xfrm>
+          <a:prstGeom prst="rect">
+            <a:avLst/>
+          </a:prstGeom>
+        </p:spPr>
+        <p:txBody>
+          <a:bodyPr spcFirstLastPara="1" wrap="square" lIns="91425" tIns="0" rIns="91425" bIns="0" anchor="t" anchorCtr="0">
+            <a:noAutofit/>
+          </a:bodyPr>
+          <a:lstStyle/>
+          <a:p>
+            <a:pPr marL="0" lvl="0" indent="0" algn="l" rtl="0">
+              <a:spcBef>
+                <a:spcPts val="0"/>
+              </a:spcBef>
+              <a:spcAft>
+                <a:spcPts val="0"/>
+              </a:spcAft>
+              <a:buNone/>
+            </a:pPr>
+            <a:r>
+              <a:rPr lang="en" dirty="0" smtClean="0"/>
+              <a:t>What is Python?</a:t>
+            </a:r>
+            <a:endParaRPr sz="2200" b="1" dirty="0">
+              <a:latin typeface="Overpass Mono"/>
+              <a:ea typeface="Overpass Mono"/>
+              <a:cs typeface="Overpass Mono"/>
+              <a:sym typeface="Overpass Mono"/>
+            </a:endParaRPr>
+          </a:p>
+        </p:txBody>
+      </p:sp>
+      <p:sp>
+        <p:nvSpPr>
+          <p:cNvPr id="350" name="Google Shape;350;p29"/>
+          <p:cNvSpPr txBox="1">
+            <a:spLocks noGrp="1"/>
+          </p:cNvSpPr>
+          <p:nvPr>
+            <p:ph type="ctrTitle" idx="2"/>
+          </p:nvPr>
+        </p:nvSpPr>
+        <p:spPr>
+          <a:xfrm flipH="1">
+            <a:off x="4811675" y="1848401"/>
+            <a:ext cx="2163900" cy="240900"/>
+          </a:xfrm>
+          <a:prstGeom prst="rect">
+            <a:avLst/>
+          </a:prstGeom>
+        </p:spPr>
+        <p:txBody>
+          <a:bodyPr spcFirstLastPara="1" wrap="square" lIns="91425" tIns="0" rIns="91425" bIns="0" anchor="b" anchorCtr="0">
+            <a:noAutofit/>
+          </a:bodyPr>
+          <a:lstStyle/>
+          <a:p>
+            <a:pPr marL="0" lvl="0" indent="0" algn="r" rtl="0">
+              <a:spcBef>
+                <a:spcPts val="0"/>
+              </a:spcBef>
+              <a:spcAft>
+                <a:spcPts val="0"/>
+              </a:spcAft>
+              <a:buNone/>
+            </a:pPr>
+            <a:r>
+              <a:rPr lang="en" sz="3500" b="1"/>
+              <a:t>03</a:t>
+            </a:r>
+            <a:endParaRPr sz="3500" b="1"/>
+          </a:p>
+        </p:txBody>
+      </p:sp>
+      <p:sp>
+        <p:nvSpPr>
+          <p:cNvPr id="351" name="Google Shape;351;p29"/>
+          <p:cNvSpPr txBox="1">
+            <a:spLocks noGrp="1"/>
+          </p:cNvSpPr>
+          <p:nvPr>
+            <p:ph type="subTitle" idx="3"/>
+          </p:nvPr>
+        </p:nvSpPr>
+        <p:spPr>
+          <a:xfrm flipH="1">
+            <a:off x="5548045" y="2163531"/>
+            <a:ext cx="2486346" cy="651588"/>
+          </a:xfrm>
+          <a:prstGeom prst="rect">
+            <a:avLst/>
+          </a:prstGeom>
+        </p:spPr>
+        <p:txBody>
+          <a:bodyPr spcFirstLastPara="1" wrap="square" lIns="91425" tIns="0" rIns="91425" bIns="0" anchor="t" anchorCtr="0">
+            <a:noAutofit/>
+          </a:bodyPr>
+          <a:lstStyle/>
+          <a:p>
+            <a:pPr marL="0" lvl="0" indent="0" algn="r" rtl="0">
+              <a:spcBef>
+                <a:spcPts val="0"/>
+              </a:spcBef>
+              <a:spcAft>
+                <a:spcPts val="0"/>
+              </a:spcAft>
+              <a:buNone/>
+            </a:pPr>
+            <a:r>
+              <a:rPr lang="en" dirty="0" smtClean="0"/>
+              <a:t>Advantages &amp; Disadvantages</a:t>
+            </a:r>
+            <a:endParaRPr sz="2200" b="1" dirty="0">
+              <a:latin typeface="Overpass Mono"/>
+              <a:ea typeface="Overpass Mono"/>
+              <a:cs typeface="Overpass Mono"/>
+              <a:sym typeface="Overpass Mono"/>
+            </a:endParaRPr>
+          </a:p>
+        </p:txBody>
+      </p:sp>
+      <p:sp>
+        <p:nvSpPr>
+          <p:cNvPr id="352" name="Google Shape;352;p29"/>
+          <p:cNvSpPr txBox="1">
+            <a:spLocks noGrp="1"/>
+          </p:cNvSpPr>
+          <p:nvPr>
+            <p:ph type="ctrTitle" idx="6"/>
+          </p:nvPr>
+        </p:nvSpPr>
+        <p:spPr>
+          <a:xfrm flipH="1">
+            <a:off x="2189800" y="3258286"/>
+            <a:ext cx="2163900" cy="240900"/>
+          </a:xfrm>
+          <a:prstGeom prst="rect">
+            <a:avLst/>
+          </a:prstGeom>
+        </p:spPr>
+        <p:txBody>
+          <a:bodyPr spcFirstLastPara="1" wrap="square" lIns="91425" tIns="0" rIns="91425" bIns="0" anchor="b" anchorCtr="0">
+            <a:noAutofit/>
+          </a:bodyPr>
+          <a:lstStyle/>
+          <a:p>
+            <a:pPr marL="0" lvl="0" indent="0" algn="l" rtl="0">
+              <a:spcBef>
+                <a:spcPts val="0"/>
+              </a:spcBef>
+              <a:spcAft>
+                <a:spcPts val="0"/>
+              </a:spcAft>
+              <a:buNone/>
+            </a:pPr>
+            <a:r>
+              <a:rPr lang="en" dirty="0"/>
+              <a:t>02</a:t>
+            </a:r>
+            <a:endParaRPr dirty="0"/>
+          </a:p>
+        </p:txBody>
+      </p:sp>
+      <p:sp>
+        <p:nvSpPr>
+          <p:cNvPr id="354" name="Google Shape;354;p29"/>
+          <p:cNvSpPr txBox="1">
+            <a:spLocks noGrp="1"/>
+          </p:cNvSpPr>
+          <p:nvPr>
+            <p:ph type="ctrTitle" idx="8"/>
+          </p:nvPr>
+        </p:nvSpPr>
+        <p:spPr>
+          <a:xfrm flipH="1">
+            <a:off x="4811675" y="3258338"/>
+            <a:ext cx="2163900" cy="240900"/>
+          </a:xfrm>
+          <a:prstGeom prst="rect">
+            <a:avLst/>
+          </a:prstGeom>
+        </p:spPr>
+        <p:txBody>
+          <a:bodyPr spcFirstLastPara="1" wrap="square" lIns="91425" tIns="0" rIns="91425" bIns="0" anchor="b" anchorCtr="0">
+            <a:noAutofit/>
+          </a:bodyPr>
+          <a:lstStyle/>
+          <a:p>
+            <a:pPr marL="0" lvl="0" indent="0" algn="r" rtl="0">
+              <a:spcBef>
+                <a:spcPts val="0"/>
+              </a:spcBef>
+              <a:spcAft>
+                <a:spcPts val="0"/>
+              </a:spcAft>
+              <a:buNone/>
+            </a:pPr>
+            <a:r>
+              <a:rPr lang="en"/>
+              <a:t>04</a:t>
+            </a:r>
+            <a:endParaRPr/>
+          </a:p>
+        </p:txBody>
+      </p:sp>
+      <p:sp>
+        <p:nvSpPr>
+          <p:cNvPr id="355" name="Google Shape;355;p29"/>
+          <p:cNvSpPr txBox="1">
+            <a:spLocks noGrp="1"/>
+          </p:cNvSpPr>
+          <p:nvPr>
+            <p:ph type="subTitle" idx="9"/>
+          </p:nvPr>
+        </p:nvSpPr>
+        <p:spPr>
+          <a:xfrm flipH="1">
+            <a:off x="5322013" y="3572262"/>
+            <a:ext cx="2712378" cy="649211"/>
+          </a:xfrm>
+          <a:prstGeom prst="rect">
+            <a:avLst/>
+          </a:prstGeom>
+        </p:spPr>
+        <p:txBody>
+          <a:bodyPr spcFirstLastPara="1" wrap="square" lIns="91425" tIns="0" rIns="91425" bIns="0" anchor="t" anchorCtr="0">
+            <a:noAutofit/>
+          </a:bodyPr>
+          <a:lstStyle/>
+          <a:p>
+            <a:pPr marL="0" lvl="0" indent="0" algn="r" rtl="0">
+              <a:spcBef>
+                <a:spcPts val="0"/>
+              </a:spcBef>
+              <a:spcAft>
+                <a:spcPts val="0"/>
+              </a:spcAft>
+              <a:buNone/>
+            </a:pPr>
+            <a:r>
+              <a:rPr lang="en" dirty="0" smtClean="0"/>
+              <a:t>Scope &amp; Future of Python</a:t>
+            </a:r>
+            <a:endParaRPr dirty="0"/>
+          </a:p>
+          <a:p>
+            <a:pPr marL="0" lvl="0" indent="0" algn="r" rtl="0">
+              <a:spcBef>
+                <a:spcPts val="0"/>
+              </a:spcBef>
+              <a:spcAft>
+                <a:spcPts val="0"/>
+              </a:spcAft>
+              <a:buNone/>
+            </a:pPr>
+            <a:endParaRPr dirty="0"/>
+          </a:p>
+          <a:p>
+            <a:pPr marL="0" lvl="0" indent="0" algn="r" rtl="0">
+              <a:spcBef>
+                <a:spcPts val="0"/>
+              </a:spcBef>
+              <a:spcAft>
+                <a:spcPts val="0"/>
+              </a:spcAft>
+              <a:buNone/>
+            </a:pPr>
+            <a:endParaRPr dirty="0"/>
+          </a:p>
+        </p:txBody>
+      </p:sp>
+      <p:sp>
+        <p:nvSpPr>
+          <p:cNvPr id="2" name="Subtitle 1"/>
+          <p:cNvSpPr>
+            <a:spLocks noGrp="1"/>
+          </p:cNvSpPr>
+          <p:nvPr>
+            <p:ph type="subTitle" idx="7"/>
+          </p:nvPr>
+        </p:nvSpPr>
+        <p:spPr>
+          <a:xfrm flipH="1">
+            <a:off x="1799383" y="3572262"/>
+            <a:ext cx="1950684" cy="427806"/>
+          </a:xfrm>
+        </p:spPr>
+        <p:txBody>
+          <a:bodyPr/>
+          <a:lstStyle/>
+          <a:p>
+            <a:r>
+              <a:rPr lang="en-US" dirty="0" smtClean="0"/>
+              <a:t>Features</a:t>
+            </a:r>
+            <a:endParaRPr lang="en-US" dirty="0"/>
+          </a:p>
+        </p:txBody>
+      </p:sp>
+    </p:spTree>
+  </p:cSld>
+  <p:clrMapOvr>
+    <a:masterClrMapping/>
+  </p:clrMapOvr>
+  <p:timing>
+    <p:tnLst>
+      <p:par>
+        <p:cTn id="1" dur="indefinite" restart="never" nodeType="tmRoot"/>
+      </p:par>
+    </p:tnLst>
+  </p:timing>
+</p:sld>
+</file>
+
+<file path=ppt/slides/slide3.xml><?xml version="1.0" encoding="utf-8"?>
+<p:sld xmlns:a="http://schemas.openxmlformats.org/drawingml/2006/main" xmlns:r="http://schemas.openxmlformats.org/officeDocument/2006/relationships" xmlns:p="http://schemas.openxmlformats.org/presentationml/2006/main">
+  <p:cSld>
+    <p:spTree>
+      <p:nvGrpSpPr>
+        <p:cNvPr id="1" name="Shape 339"/>
+        <p:cNvGrpSpPr/>
+        <p:nvPr/>
+      </p:nvGrpSpPr>
+      <p:grpSpPr>
+        <a:xfrm>
+          <a:off x="0" y="0"/>
+          <a:ext cx="0" cy="0"/>
+          <a:chOff x="0" y="0"/>
+          <a:chExt cx="0" cy="0"/>
+        </a:xfrm>
+      </p:grpSpPr>
+      <p:sp>
+        <p:nvSpPr>
+          <p:cNvPr id="340" name="Google Shape;340;p28"/>
+          <p:cNvSpPr txBox="1">
+            <a:spLocks noGrp="1"/>
+          </p:cNvSpPr>
+          <p:nvPr>
+            <p:ph type="title"/>
+          </p:nvPr>
+        </p:nvSpPr>
+        <p:spPr>
+          <a:xfrm>
+            <a:off x="1278050" y="343200"/>
+            <a:ext cx="6588000" cy="669000"/>
+          </a:xfrm>
+          <a:prstGeom prst="rect">
+            <a:avLst/>
+          </a:prstGeom>
+        </p:spPr>
+        <p:txBody>
+          <a:bodyPr spcFirstLastPara="1" wrap="square" lIns="91425" tIns="91425" rIns="91425" bIns="91425" anchor="t" anchorCtr="0">
+            <a:noAutofit/>
+          </a:bodyPr>
+          <a:lstStyle/>
+          <a:p>
+            <a:pPr marL="0" lvl="0" indent="0" algn="ctr" rtl="0">
+              <a:spcBef>
+                <a:spcPts val="0"/>
+              </a:spcBef>
+              <a:spcAft>
+                <a:spcPts val="0"/>
+              </a:spcAft>
+              <a:buNone/>
+            </a:pPr>
+            <a:r>
+              <a:rPr lang="en" dirty="0" smtClean="0"/>
+              <a:t>WHAT IS PYTHON?</a:t>
+            </a:r>
+            <a:endParaRPr dirty="0"/>
+          </a:p>
+        </p:txBody>
+      </p:sp>
+      <p:sp>
+        <p:nvSpPr>
+          <p:cNvPr id="341" name="Google Shape;341;p28"/>
+          <p:cNvSpPr txBox="1">
+            <a:spLocks noGrp="1"/>
+          </p:cNvSpPr>
+          <p:nvPr>
+            <p:ph type="subTitle" idx="1"/>
+          </p:nvPr>
+        </p:nvSpPr>
+        <p:spPr>
+          <a:xfrm flipH="1">
+            <a:off x="720000" y="1132375"/>
+            <a:ext cx="7704000" cy="3294000"/>
+          </a:xfrm>
+          <a:prstGeom prst="rect">
+            <a:avLst/>
+          </a:prstGeom>
+        </p:spPr>
+        <p:txBody>
+          <a:bodyPr spcFirstLastPara="1" wrap="square" lIns="91425" tIns="91425" rIns="91425" bIns="91425" anchor="t" anchorCtr="0">
+            <a:noAutofit/>
+          </a:bodyPr>
+          <a:lstStyle/>
+          <a:p>
+            <a:pPr marL="285750" lvl="0" indent="-285750" algn="just">
+              <a:buFont typeface="Wingdings" panose="05000000000000000000" pitchFamily="2" charset="2"/>
+              <a:buChar char="Ø"/>
+            </a:pPr>
+            <a:r>
+              <a:rPr lang="en-US" sz="1600" dirty="0"/>
+              <a:t>Python is used for server-side web development, software development, mathematics, and system scripting, and is popular for Rapid Application Development and as a scripting or glue language to tie existing components because of its high-level, built-in data structures, dynamic typing, and </a:t>
+            </a:r>
+            <a:r>
+              <a:rPr lang="en-US" sz="1600" dirty="0" smtClean="0"/>
+              <a:t>dynamic </a:t>
+            </a:r>
+            <a:r>
+              <a:rPr lang="en-US" sz="1600" dirty="0"/>
+              <a:t>binding</a:t>
+            </a:r>
+            <a:r>
+              <a:rPr lang="en-US" sz="1600" dirty="0" smtClean="0"/>
+              <a:t>.</a:t>
+            </a:r>
+          </a:p>
+          <a:p>
+            <a:pPr marL="285750" lvl="0" indent="-285750" algn="just">
+              <a:buFont typeface="Wingdings" panose="05000000000000000000" pitchFamily="2" charset="2"/>
+              <a:buChar char="Ø"/>
+            </a:pPr>
+            <a:endParaRPr lang="en-US" sz="1600" dirty="0"/>
+          </a:p>
+          <a:p>
+            <a:pPr marL="285750" lvl="0" indent="-285750" algn="just">
+              <a:buFont typeface="Wingdings" panose="05000000000000000000" pitchFamily="2" charset="2"/>
+              <a:buChar char="Ø"/>
+            </a:pPr>
+            <a:r>
+              <a:rPr lang="en-US" sz="1600" dirty="0"/>
+              <a:t>Python can connect to database systems. It can also read and modify files. Python can be used to handle big data and perform complex mathematics. Python can be used for rapid prototyping, or for production-ready software development</a:t>
+            </a:r>
+            <a:r>
+              <a:rPr lang="en-US" sz="1600" dirty="0" smtClean="0"/>
+              <a:t>.</a:t>
+            </a:r>
+          </a:p>
+        </p:txBody>
+      </p:sp>
+    </p:spTree>
+  </p:cSld>
+  <p:clrMapOvr>
+    <a:masterClrMapping/>
+  </p:clrMapOvr>
+  <p:timing>
+    <p:tnLst>
+      <p:par>
+        <p:cTn id="1" dur="indefinite" restart="never" nodeType="tmRoot"/>
+      </p:par>
+    </p:tnLst>
+  </p:timing>
+</p:sld>
+</file>
+
+<file path=ppt/slides/slide4.xml><?xml version="1.0" encoding="utf-8"?>
+<p:sld xmlns:a="http://schemas.openxmlformats.org/drawingml/2006/main" xmlns:r="http://schemas.openxmlformats.org/officeDocument/2006/relationships" xmlns:p="http://schemas.openxmlformats.org/presentationml/2006/main">
+  <p:cSld>
+    <p:spTree>
+      <p:nvGrpSpPr>
+        <p:cNvPr id="1" name="Shape 359"/>
+        <p:cNvGrpSpPr/>
+        <p:nvPr/>
+      </p:nvGrpSpPr>
+      <p:grpSpPr>
+        <a:xfrm>
+          <a:off x="0" y="0"/>
+          <a:ext cx="0" cy="0"/>
+          <a:chOff x="0" y="0"/>
+          <a:chExt cx="0" cy="0"/>
+        </a:xfrm>
+      </p:grpSpPr>
+      <p:pic>
+        <p:nvPicPr>
+          <p:cNvPr id="360" name="Google Shape;360;p30"/>
+          <p:cNvPicPr preferRelativeResize="0"/>
+          <p:nvPr/>
+        </p:nvPicPr>
+        <p:blipFill rotWithShape="1">
+          <a:blip r:embed="rId3">
+            <a:alphaModFix/>
+          </a:blip>
+          <a:srcRect l="24495" t="18187" r="9353" b="4812"/>
+          <a:stretch/>
+        </p:blipFill>
+        <p:spPr>
+          <a:xfrm>
+            <a:off x="5353050" y="1809750"/>
+            <a:ext cx="3324251" cy="2581274"/>
+          </a:xfrm>
+          <a:prstGeom prst="rect">
+            <a:avLst/>
+          </a:prstGeom>
+          <a:noFill/>
+          <a:ln>
+            <a:noFill/>
+          </a:ln>
+        </p:spPr>
+      </p:pic>
+      <p:sp>
+        <p:nvSpPr>
+          <p:cNvPr id="361" name="Google Shape;361;p30"/>
+          <p:cNvSpPr txBox="1">
+            <a:spLocks noGrp="1"/>
+          </p:cNvSpPr>
+          <p:nvPr>
+            <p:ph type="body" idx="1"/>
+          </p:nvPr>
+        </p:nvSpPr>
+        <p:spPr>
+          <a:xfrm>
+            <a:off x="609499" y="1973025"/>
+            <a:ext cx="3512700" cy="2130900"/>
+          </a:xfrm>
+          <a:prstGeom prst="rect">
+            <a:avLst/>
+          </a:prstGeom>
+        </p:spPr>
+        <p:txBody>
+          <a:bodyPr spcFirstLastPara="1" wrap="square" lIns="91425" tIns="91425" rIns="91425" bIns="91425" anchor="t" anchorCtr="0">
+            <a:noAutofit/>
+          </a:bodyPr>
+          <a:lstStyle/>
+          <a:p>
+            <a:pPr marL="0" indent="0" algn="just">
+              <a:buNone/>
+            </a:pPr>
+            <a:r>
+              <a:rPr lang="en-US" dirty="0"/>
+              <a:t>Python was created by Guido van Rossum, and first released on February 20, 1991. While you may know the python as a large snake, the name of the Python programming language comes from an old BBC television comedy sketch series called Monty Python's Flying Circus.</a:t>
+            </a:r>
+          </a:p>
+          <a:p>
+            <a:pPr marL="0" lvl="0" indent="0" algn="just" rtl="0">
+              <a:spcBef>
+                <a:spcPts val="0"/>
+              </a:spcBef>
+              <a:spcAft>
+                <a:spcPts val="0"/>
+              </a:spcAft>
+              <a:buNone/>
+            </a:pPr>
+            <a:endParaRPr dirty="0"/>
+          </a:p>
+        </p:txBody>
+      </p:sp>
+      <p:sp>
+        <p:nvSpPr>
+          <p:cNvPr id="362" name="Google Shape;362;p30"/>
+          <p:cNvSpPr txBox="1">
+            <a:spLocks noGrp="1"/>
+          </p:cNvSpPr>
+          <p:nvPr>
+            <p:ph type="title"/>
+          </p:nvPr>
+        </p:nvSpPr>
+        <p:spPr>
+          <a:xfrm>
+            <a:off x="560825" y="1168325"/>
+            <a:ext cx="6045458" cy="669000"/>
+          </a:xfrm>
+          <a:prstGeom prst="rect">
+            <a:avLst/>
+          </a:prstGeom>
+        </p:spPr>
+        <p:txBody>
+          <a:bodyPr spcFirstLastPara="1" wrap="square" lIns="91425" tIns="91425" rIns="91425" bIns="91425" anchor="t" anchorCtr="0">
+            <a:noAutofit/>
+          </a:bodyPr>
+          <a:lstStyle/>
+          <a:p>
+            <a:pPr marL="0" lvl="0" indent="0" algn="l" rtl="0">
+              <a:spcBef>
+                <a:spcPts val="0"/>
+              </a:spcBef>
+              <a:spcAft>
+                <a:spcPts val="0"/>
+              </a:spcAft>
+              <a:buNone/>
+            </a:pPr>
+            <a:r>
+              <a:rPr lang="en" dirty="0" smtClean="0"/>
+              <a:t>WHEN WAS PYTHON CREATED?</a:t>
+            </a:r>
+            <a:endParaRPr dirty="0">
+              <a:solidFill>
+                <a:schemeClr val="dk2"/>
+              </a:solidFill>
+            </a:endParaRPr>
+          </a:p>
+        </p:txBody>
+      </p:sp>
+      <p:sp>
+        <p:nvSpPr>
+          <p:cNvPr id="363" name="Google Shape;363;p30"/>
+          <p:cNvSpPr/>
+          <p:nvPr/>
+        </p:nvSpPr>
+        <p:spPr>
+          <a:xfrm>
+            <a:off x="7524751" y="3887550"/>
+            <a:ext cx="1619286" cy="241405"/>
+          </a:xfrm>
+          <a:custGeom>
+            <a:avLst/>
+            <a:gdLst/>
+            <a:ahLst/>
+            <a:cxnLst/>
+            <a:rect l="l" t="t" r="r" b="b"/>
+            <a:pathLst>
+              <a:path w="146079" h="5859" extrusionOk="0">
+                <a:moveTo>
+                  <a:pt x="1" y="1"/>
+                </a:moveTo>
+                <a:lnTo>
+                  <a:pt x="1" y="5858"/>
+                </a:lnTo>
+                <a:lnTo>
+                  <a:pt x="146079" y="5858"/>
+                </a:lnTo>
+                <a:lnTo>
+                  <a:pt x="146079" y="1"/>
+                </a:lnTo>
+                <a:close/>
+              </a:path>
+            </a:pathLst>
+          </a:custGeom>
+          <a:solidFill>
+            <a:schemeClr val="dk2"/>
+          </a:solidFill>
+          <a:ln>
+            <a:noFill/>
+          </a:ln>
+        </p:spPr>
+        <p:txBody>
+          <a:bodyPr spcFirstLastPara="1" wrap="square" lIns="91425" tIns="91425" rIns="91425" bIns="91425" anchor="ctr" anchorCtr="0">
+            <a:noAutofit/>
+          </a:bodyPr>
+          <a:lstStyle/>
+          <a:p>
+            <a:pPr marL="0" lvl="0" indent="0" algn="l" rtl="0">
+              <a:spcBef>
+                <a:spcPts val="0"/>
+              </a:spcBef>
+              <a:spcAft>
+                <a:spcPts val="0"/>
+              </a:spcAft>
+              <a:buNone/>
+            </a:pPr>
+            <a:endParaRPr/>
+          </a:p>
+        </p:txBody>
+      </p:sp>
+    </p:spTree>
+  </p:cSld>
+  <p:clrMapOvr>
+    <a:masterClrMapping/>
+  </p:clrMapOvr>
+  <p:timing>
+    <p:tnLst>
+      <p:par>
+        <p:cTn id="1" dur="indefinite" restart="never" nodeType="tmRoot"/>
+      </p:par>
+    </p:tnLst>
+  </p:timing>
+</p:sld>
+</file>
+
+<file path=ppt/slides/slide5.xml><?xml version="1.0" encoding="utf-8"?>
+<p:sld xmlns:a="http://schemas.openxmlformats.org/drawingml/2006/main" xmlns:r="http://schemas.openxmlformats.org/officeDocument/2006/relationships" xmlns:p="http://schemas.openxmlformats.org/presentationml/2006/main">
+  <p:cSld>
+    <p:spTree>
+      <p:nvGrpSpPr>
+        <p:cNvPr id="1" name="Shape 918"/>
+        <p:cNvGrpSpPr/>
+        <p:nvPr/>
+      </p:nvGrpSpPr>
+      <p:grpSpPr>
+        <a:xfrm>
+          <a:off x="0" y="0"/>
+          <a:ext cx="0" cy="0"/>
+          <a:chOff x="0" y="0"/>
+          <a:chExt cx="0" cy="0"/>
+        </a:xfrm>
+      </p:grpSpPr>
+      <p:sp>
+        <p:nvSpPr>
+          <p:cNvPr id="919" name="Google Shape;919;p53"/>
+          <p:cNvSpPr txBox="1">
+            <a:spLocks noGrp="1"/>
+          </p:cNvSpPr>
+          <p:nvPr>
+            <p:ph type="title"/>
+          </p:nvPr>
+        </p:nvSpPr>
+        <p:spPr>
+          <a:xfrm>
+            <a:off x="1278050" y="343200"/>
+            <a:ext cx="6588000" cy="669000"/>
+          </a:xfrm>
+          <a:prstGeom prst="rect">
+            <a:avLst/>
+          </a:prstGeom>
+        </p:spPr>
+        <p:txBody>
+          <a:bodyPr spcFirstLastPara="1" wrap="square" lIns="91425" tIns="91425" rIns="91425" bIns="91425" anchor="t" anchorCtr="0">
+            <a:noAutofit/>
+          </a:bodyPr>
+          <a:lstStyle/>
+          <a:p>
+            <a:pPr marL="0" lvl="0" indent="0" algn="ctr" rtl="0">
+              <a:spcBef>
+                <a:spcPts val="0"/>
+              </a:spcBef>
+              <a:spcAft>
+                <a:spcPts val="0"/>
+              </a:spcAft>
+              <a:buNone/>
+            </a:pPr>
+            <a:r>
+              <a:rPr lang="en" dirty="0" smtClean="0"/>
+              <a:t>FEATURES</a:t>
+            </a:r>
+            <a:endParaRPr dirty="0"/>
+          </a:p>
+        </p:txBody>
+      </p:sp>
+      <p:sp>
+        <p:nvSpPr>
+          <p:cNvPr id="920" name="Google Shape;920;p53"/>
+          <p:cNvSpPr txBox="1"/>
+          <p:nvPr/>
+        </p:nvSpPr>
+        <p:spPr>
+          <a:xfrm>
+            <a:off x="754541" y="1134000"/>
+            <a:ext cx="7701089" cy="3015000"/>
+          </a:xfrm>
+          <a:prstGeom prst="rect">
+            <a:avLst/>
+          </a:prstGeom>
+          <a:noFill/>
+          <a:ln>
+            <a:noFill/>
+          </a:ln>
+        </p:spPr>
+        <p:txBody>
+          <a:bodyPr spcFirstLastPara="1" wrap="square" lIns="91425" tIns="91425" rIns="91425" bIns="91425" anchor="t" anchorCtr="0">
+            <a:noAutofit/>
+          </a:bodyPr>
+          <a:lstStyle/>
+          <a:p>
+            <a:pPr marL="285750" lvl="0" indent="-285750" algn="just" rtl="0">
+              <a:lnSpc>
+                <a:spcPct val="115000"/>
+              </a:lnSpc>
+              <a:spcBef>
+                <a:spcPts val="0"/>
+              </a:spcBef>
+              <a:spcAft>
+                <a:spcPts val="0"/>
+              </a:spcAft>
+              <a:buFont typeface="Arial" panose="020B0604020202020204" pitchFamily="34" charset="0"/>
+              <a:buChar char="•"/>
+            </a:pPr>
+            <a:r>
+              <a:rPr lang="en-US" sz="1600" dirty="0" smtClean="0">
+                <a:solidFill>
+                  <a:schemeClr val="lt1"/>
+                </a:solidFill>
+                <a:latin typeface="Anaheim"/>
+                <a:ea typeface="Anaheim"/>
+                <a:cs typeface="Anaheim"/>
+                <a:sym typeface="Anaheim"/>
+              </a:rPr>
+              <a:t>Uses an elegant syntax, making the programs you write easier to read.</a:t>
+            </a:r>
+            <a:endParaRPr lang="en-US" sz="1600" dirty="0">
+              <a:solidFill>
+                <a:schemeClr val="lt1"/>
+              </a:solidFill>
+              <a:latin typeface="Anaheim"/>
+              <a:ea typeface="Anaheim"/>
+              <a:cs typeface="Anaheim"/>
+              <a:sym typeface="Anaheim"/>
+            </a:endParaRPr>
+          </a:p>
+          <a:p>
+            <a:pPr marL="285750" lvl="0" indent="-285750" algn="just" rtl="0">
+              <a:lnSpc>
+                <a:spcPct val="115000"/>
+              </a:lnSpc>
+              <a:spcBef>
+                <a:spcPts val="0"/>
+              </a:spcBef>
+              <a:spcAft>
+                <a:spcPts val="0"/>
+              </a:spcAft>
+              <a:buFont typeface="Arial" panose="020B0604020202020204" pitchFamily="34" charset="0"/>
+              <a:buChar char="•"/>
+            </a:pPr>
+            <a:r>
+              <a:rPr lang="en-US" sz="1600" dirty="0" smtClean="0">
+                <a:solidFill>
+                  <a:schemeClr val="lt1"/>
+                </a:solidFill>
+                <a:latin typeface="Anaheim"/>
+                <a:ea typeface="Anaheim"/>
+                <a:cs typeface="Anaheim"/>
+                <a:sym typeface="Anaheim"/>
+              </a:rPr>
+              <a:t>Easy-to-use Language.</a:t>
+            </a:r>
+          </a:p>
+          <a:p>
+            <a:pPr marL="285750" lvl="0" indent="-285750" algn="just">
+              <a:lnSpc>
+                <a:spcPct val="115000"/>
+              </a:lnSpc>
+              <a:buFont typeface="Arial" panose="020B0604020202020204" pitchFamily="34" charset="0"/>
+              <a:buChar char="•"/>
+            </a:pPr>
+            <a:r>
+              <a:rPr lang="en-US" sz="1600" dirty="0" smtClean="0">
+                <a:solidFill>
+                  <a:schemeClr val="lt1"/>
+                </a:solidFill>
+                <a:latin typeface="Anaheim"/>
+                <a:ea typeface="Anaheim"/>
+                <a:cs typeface="Anaheim"/>
+                <a:sym typeface="Anaheim"/>
+              </a:rPr>
+              <a:t>Comes with a large standard library that supports many common programming tasks such as connecting to web, searching text with </a:t>
+            </a:r>
+            <a:r>
+              <a:rPr lang="en-US" sz="1600" dirty="0">
+                <a:solidFill>
+                  <a:schemeClr val="lt1"/>
+                </a:solidFill>
+                <a:latin typeface="Anaheim"/>
+                <a:ea typeface="Anaheim"/>
+                <a:cs typeface="Anaheim"/>
+                <a:sym typeface="Anaheim"/>
+              </a:rPr>
+              <a:t> regular </a:t>
+            </a:r>
+            <a:r>
+              <a:rPr lang="en-US" sz="1600" dirty="0" smtClean="0">
+                <a:solidFill>
+                  <a:schemeClr val="lt1"/>
+                </a:solidFill>
+                <a:latin typeface="Anaheim"/>
+                <a:ea typeface="Anaheim"/>
+                <a:cs typeface="Anaheim"/>
+                <a:sym typeface="Anaheim"/>
+              </a:rPr>
+              <a:t>expressions, reading and modifying files.</a:t>
+            </a:r>
+          </a:p>
+          <a:p>
+            <a:pPr marL="285750" lvl="0" indent="-285750" algn="just">
+              <a:lnSpc>
+                <a:spcPct val="115000"/>
+              </a:lnSpc>
+              <a:buFont typeface="Arial" panose="020B0604020202020204" pitchFamily="34" charset="0"/>
+              <a:buChar char="•"/>
+            </a:pPr>
+            <a:r>
+              <a:rPr lang="en-US" sz="1600" dirty="0" smtClean="0">
+                <a:solidFill>
+                  <a:schemeClr val="lt1"/>
+                </a:solidFill>
+                <a:latin typeface="Anaheim"/>
+                <a:ea typeface="Anaheim"/>
+                <a:cs typeface="Anaheim"/>
+                <a:sym typeface="Anaheim"/>
+              </a:rPr>
+              <a:t>Runs anywhere. Including Mac OS, Linux and Unix.</a:t>
+            </a:r>
+          </a:p>
+          <a:p>
+            <a:pPr marL="285750" lvl="0" indent="-285750" algn="just">
+              <a:lnSpc>
+                <a:spcPct val="115000"/>
+              </a:lnSpc>
+              <a:buFont typeface="Arial" panose="020B0604020202020204" pitchFamily="34" charset="0"/>
+              <a:buChar char="•"/>
+            </a:pPr>
+            <a:r>
+              <a:rPr lang="en-US" sz="1600" dirty="0" smtClean="0">
+                <a:solidFill>
+                  <a:schemeClr val="lt1"/>
+                </a:solidFill>
+                <a:latin typeface="Anaheim"/>
+                <a:ea typeface="Anaheim"/>
+                <a:cs typeface="Anaheim"/>
+                <a:sym typeface="Anaheim"/>
+              </a:rPr>
+              <a:t>Free language in two ways: First, it doesn’t cost any penny and second can be freely modified and redistributed.</a:t>
+            </a:r>
+            <a:endParaRPr lang="en-US" sz="1600" dirty="0">
+              <a:solidFill>
+                <a:schemeClr val="lt1"/>
+              </a:solidFill>
+              <a:latin typeface="Anaheim"/>
+              <a:ea typeface="Anaheim"/>
+              <a:cs typeface="Anaheim"/>
+              <a:sym typeface="Anaheim"/>
+            </a:endParaRPr>
+          </a:p>
+        </p:txBody>
+      </p:sp>
+    </p:spTree>
+  </p:cSld>
+  <p:clrMapOvr>
+    <a:masterClrMapping/>
+  </p:clrMapOvr>
+  <p:timing>
+    <p:tnLst>
+      <p:par>
+        <p:cTn id="1" dur="indefinite" restart="never" nodeType="tmRoot"/>
+      </p:par>
+    </p:tnLst>
+  </p:timing>
+</p:sld>
+</file>
+
+<file path=ppt/slides/slide6.xml><?xml version="1.0" encoding="utf-8"?>
+<p:sld xmlns:a="http://schemas.openxmlformats.org/drawingml/2006/main" xmlns:r="http://schemas.openxmlformats.org/officeDocument/2006/relationships" xmlns:p="http://schemas.openxmlformats.org/presentationml/2006/main">
+  <p:cSld>
+    <p:spTree>
+      <p:nvGrpSpPr>
+        <p:cNvPr id="1" name="Shape 379"/>
+        <p:cNvGrpSpPr/>
+        <p:nvPr/>
+      </p:nvGrpSpPr>
+      <p:grpSpPr>
+        <a:xfrm>
+          <a:off x="0" y="0"/>
+          <a:ext cx="0" cy="0"/>
+          <a:chOff x="0" y="0"/>
+          <a:chExt cx="0" cy="0"/>
+        </a:xfrm>
+      </p:grpSpPr>
+      <p:sp>
+        <p:nvSpPr>
+          <p:cNvPr id="380" name="Google Shape;380;p33"/>
+          <p:cNvSpPr txBox="1">
+            <a:spLocks noGrp="1"/>
+          </p:cNvSpPr>
+          <p:nvPr>
+            <p:ph type="body" idx="1"/>
+          </p:nvPr>
+        </p:nvSpPr>
+        <p:spPr>
+          <a:xfrm>
+            <a:off x="4579525" y="2388200"/>
+            <a:ext cx="3932700" cy="2130900"/>
+          </a:xfrm>
+          <a:prstGeom prst="rect">
+            <a:avLst/>
+          </a:prstGeom>
+        </p:spPr>
+        <p:txBody>
+          <a:bodyPr spcFirstLastPara="1" wrap="square" lIns="91425" tIns="91425" rIns="91425" bIns="91425" anchor="t" anchorCtr="0">
+            <a:noAutofit/>
+          </a:bodyPr>
+          <a:lstStyle/>
+          <a:p>
+            <a:pPr marL="342900" indent="-342900" algn="l">
+              <a:buFont typeface="+mj-lt"/>
+              <a:buAutoNum type="arabicPeriod"/>
+            </a:pPr>
+            <a:r>
+              <a:rPr lang="en-US" dirty="0"/>
+              <a:t>Easy to Read, Learn and Write</a:t>
+            </a:r>
+          </a:p>
+          <a:p>
+            <a:pPr marL="342900" indent="-342900" algn="l">
+              <a:buFont typeface="+mj-lt"/>
+              <a:buAutoNum type="arabicPeriod"/>
+            </a:pPr>
+            <a:r>
+              <a:rPr lang="en-US" dirty="0"/>
+              <a:t>Improved Productivity</a:t>
+            </a:r>
+          </a:p>
+          <a:p>
+            <a:pPr marL="342900" indent="-342900" algn="l">
+              <a:buFont typeface="+mj-lt"/>
+              <a:buAutoNum type="arabicPeriod"/>
+            </a:pPr>
+            <a:r>
+              <a:rPr lang="en-US" dirty="0"/>
+              <a:t>Interpreted Language</a:t>
+            </a:r>
+          </a:p>
+          <a:p>
+            <a:pPr marL="342900" indent="-342900" algn="l">
+              <a:buFont typeface="+mj-lt"/>
+              <a:buAutoNum type="arabicPeriod"/>
+            </a:pPr>
+            <a:r>
+              <a:rPr lang="en-US" dirty="0"/>
+              <a:t>Dynamically Typed</a:t>
+            </a:r>
+          </a:p>
+          <a:p>
+            <a:pPr marL="342900" indent="-342900" algn="l">
+              <a:buFont typeface="+mj-lt"/>
+              <a:buAutoNum type="arabicPeriod"/>
+            </a:pPr>
+            <a:r>
+              <a:rPr lang="en-US" dirty="0" smtClean="0"/>
+              <a:t>Free </a:t>
+            </a:r>
+            <a:r>
+              <a:rPr lang="en-US" dirty="0"/>
+              <a:t>and Open-Source</a:t>
+            </a:r>
+          </a:p>
+          <a:p>
+            <a:pPr marL="342900" indent="-342900" algn="l">
+              <a:buFont typeface="+mj-lt"/>
+              <a:buAutoNum type="arabicPeriod"/>
+            </a:pPr>
+            <a:r>
+              <a:rPr lang="en-US" dirty="0"/>
+              <a:t>Vast Libraries Support</a:t>
+            </a:r>
+          </a:p>
+          <a:p>
+            <a:pPr marL="342900" indent="-342900" algn="l">
+              <a:buFont typeface="+mj-lt"/>
+              <a:buAutoNum type="arabicPeriod"/>
+            </a:pPr>
+            <a:r>
+              <a:rPr lang="en-US" dirty="0"/>
+              <a:t>Portability</a:t>
+            </a:r>
+          </a:p>
+          <a:p>
+            <a:pPr marL="342900" lvl="0" indent="-342900" algn="l" rtl="0">
+              <a:spcBef>
+                <a:spcPts val="0"/>
+              </a:spcBef>
+              <a:spcAft>
+                <a:spcPts val="0"/>
+              </a:spcAft>
+              <a:buFont typeface="+mj-lt"/>
+              <a:buAutoNum type="arabicPeriod"/>
+            </a:pPr>
+            <a:endParaRPr dirty="0"/>
+          </a:p>
+        </p:txBody>
+      </p:sp>
+      <p:sp>
+        <p:nvSpPr>
+          <p:cNvPr id="381" name="Google Shape;381;p33"/>
+          <p:cNvSpPr txBox="1">
+            <a:spLocks noGrp="1"/>
+          </p:cNvSpPr>
+          <p:nvPr>
+            <p:ph type="title"/>
+          </p:nvPr>
+        </p:nvSpPr>
+        <p:spPr>
+          <a:xfrm>
+            <a:off x="4579531" y="1714800"/>
+            <a:ext cx="3963300" cy="669000"/>
+          </a:xfrm>
+          <a:prstGeom prst="rect">
+            <a:avLst/>
+          </a:prstGeom>
+        </p:spPr>
+        <p:txBody>
+          <a:bodyPr spcFirstLastPara="1" wrap="square" lIns="91425" tIns="91425" rIns="91425" bIns="91425" anchor="t" anchorCtr="0">
+            <a:noAutofit/>
+          </a:bodyPr>
+          <a:lstStyle/>
+          <a:p>
+            <a:pPr marL="0" lvl="0" indent="0" algn="r" rtl="0">
+              <a:spcBef>
+                <a:spcPts val="0"/>
+              </a:spcBef>
+              <a:spcAft>
+                <a:spcPts val="0"/>
+              </a:spcAft>
+              <a:buNone/>
+            </a:pPr>
+            <a:r>
+              <a:rPr lang="en-US" dirty="0" smtClean="0"/>
+              <a:t>ADVANTAGES</a:t>
+            </a:r>
+            <a:endParaRPr dirty="0"/>
+          </a:p>
+        </p:txBody>
+      </p:sp>
+    </p:spTree>
+  </p:cSld>
+  <p:clrMapOvr>
+    <a:masterClrMapping/>
+  </p:clrMapOvr>
+  <p:timing>
+    <p:tnLst>
+      <p:par>
+        <p:cTn id="1" dur="indefinite" restart="never" nodeType="tmRoot"/>
+      </p:par>
+    </p:tnLst>
+  </p:timing>
+</p:sld>
+</file>
+
+<file path=ppt/slides/slide7.xml><?xml version="1.0" encoding="utf-8"?>
+<p:sld xmlns:a="http://schemas.openxmlformats.org/drawingml/2006/main" xmlns:r="http://schemas.openxmlformats.org/officeDocument/2006/relationships" xmlns:p="http://schemas.openxmlformats.org/presentationml/2006/main">
+  <p:cSld>
+    <p:spTree>
+      <p:nvGrpSpPr>
+        <p:cNvPr id="1" name=""/>
+        <p:cNvGrpSpPr/>
+        <p:nvPr/>
+      </p:nvGrpSpPr>
+      <p:grpSpPr>
+        <a:xfrm>
+          <a:off x="0" y="0"/>
+          <a:ext cx="0" cy="0"/>
+          <a:chOff x="0" y="0"/>
+          <a:chExt cx="0" cy="0"/>
+        </a:xfrm>
+      </p:grpSpPr>
+      <p:sp>
+        <p:nvSpPr>
+          <p:cNvPr id="2" name="Text Placeholder 1"/>
+          <p:cNvSpPr>
+            <a:spLocks noGrp="1"/>
+          </p:cNvSpPr>
+          <p:nvPr>
+            <p:ph type="body" idx="1"/>
+          </p:nvPr>
+        </p:nvSpPr>
+        <p:spPr/>
+        <p:txBody>
+          <a:bodyPr/>
+          <a:lstStyle/>
+          <a:p>
+            <a:pPr marL="469900" indent="-342900" algn="l">
+              <a:buFont typeface="+mj-lt"/>
+              <a:buAutoNum type="arabicPeriod"/>
+            </a:pPr>
+            <a:r>
+              <a:rPr lang="en-US" dirty="0" smtClean="0"/>
+              <a:t>Slow </a:t>
+            </a:r>
+            <a:r>
+              <a:rPr lang="en-US" dirty="0"/>
+              <a:t>Speed</a:t>
+            </a:r>
+          </a:p>
+          <a:p>
+            <a:pPr marL="469900" indent="-342900" algn="l">
+              <a:buFont typeface="+mj-lt"/>
+              <a:buAutoNum type="arabicPeriod"/>
+            </a:pPr>
+            <a:r>
+              <a:rPr lang="en-US" dirty="0"/>
+              <a:t>Not Memory Efficient</a:t>
+            </a:r>
+          </a:p>
+          <a:p>
+            <a:pPr marL="469900" indent="-342900" algn="l">
+              <a:buFont typeface="+mj-lt"/>
+              <a:buAutoNum type="arabicPeriod"/>
+            </a:pPr>
+            <a:r>
+              <a:rPr lang="en-US" dirty="0"/>
+              <a:t>Weak in Mobile Computing</a:t>
+            </a:r>
+          </a:p>
+          <a:p>
+            <a:pPr marL="469900" indent="-342900" algn="l">
+              <a:buFont typeface="+mj-lt"/>
+              <a:buAutoNum type="arabicPeriod"/>
+            </a:pPr>
+            <a:r>
+              <a:rPr lang="en-US" dirty="0"/>
+              <a:t>Database Access</a:t>
+            </a:r>
+          </a:p>
+          <a:p>
+            <a:pPr marL="469900" indent="-342900" algn="l">
+              <a:buFont typeface="+mj-lt"/>
+              <a:buAutoNum type="arabicPeriod"/>
+            </a:pPr>
+            <a:r>
+              <a:rPr lang="en-US" dirty="0"/>
+              <a:t>Runtime Errors</a:t>
+            </a:r>
+          </a:p>
+          <a:p>
+            <a:pPr marL="469900" indent="-342900" algn="l">
+              <a:buFont typeface="+mj-lt"/>
+              <a:buAutoNum type="arabicPeriod"/>
+            </a:pPr>
+            <a:endParaRPr lang="en-US" dirty="0" smtClean="0"/>
+          </a:p>
+        </p:txBody>
+      </p:sp>
+      <p:sp>
+        <p:nvSpPr>
+          <p:cNvPr id="3" name="Title 2"/>
+          <p:cNvSpPr>
+            <a:spLocks noGrp="1"/>
+          </p:cNvSpPr>
+          <p:nvPr>
+            <p:ph type="title"/>
+          </p:nvPr>
+        </p:nvSpPr>
+        <p:spPr/>
+        <p:txBody>
+          <a:bodyPr/>
+          <a:lstStyle/>
+          <a:p>
+            <a:r>
+              <a:rPr lang="en-US" dirty="0" smtClean="0"/>
+              <a:t>DISADVANTAGES</a:t>
+            </a:r>
+            <a:endParaRPr lang="en-US" dirty="0"/>
+          </a:p>
+        </p:txBody>
+      </p:sp>
+    </p:spTree>
+    <p:extLst>
+      <p:ext uri="{BB962C8B-B14F-4D97-AF65-F5344CB8AC3E}">
+        <p14:creationId xmlns:p14="http://schemas.microsoft.com/office/powerpoint/2010/main" val="2261730146"/>
+      </p:ext>
+    </p:extLst>
+  </p:cSld>
+  <p:clrMapOvr>
+    <a:masterClrMapping/>
+  </p:clrMapOvr>
+  <p:timing>
+    <p:tnLst>
+      <p:par>
+        <p:cTn id="1" dur="indefinite" restart="never" nodeType="tmRoot"/>
+      </p:par>
+    </p:tnLst>
+  </p:timing>
+</p:sld>
+</file>
+
+<file path=ppt/slides/slide8.xml><?xml version="1.0" encoding="utf-8"?>
+<p:sld xmlns:a="http://schemas.openxmlformats.org/drawingml/2006/main" xmlns:r="http://schemas.openxmlformats.org/officeDocument/2006/relationships" xmlns:p="http://schemas.openxmlformats.org/presentationml/2006/main">
+  <p:cSld>
+    <p:spTree>
+      <p:nvGrpSpPr>
+        <p:cNvPr id="1" name=""/>
+        <p:cNvGrpSpPr/>
+        <p:nvPr/>
+      </p:nvGrpSpPr>
+      <p:grpSpPr>
+        <a:xfrm>
+          <a:off x="0" y="0"/>
+          <a:ext cx="0" cy="0"/>
+          <a:chOff x="0" y="0"/>
+          <a:chExt cx="0" cy="0"/>
+        </a:xfrm>
+      </p:grpSpPr>
+      <p:sp>
+        <p:nvSpPr>
+          <p:cNvPr id="2" name="Subtitle 1"/>
+          <p:cNvSpPr>
+            <a:spLocks noGrp="1"/>
+          </p:cNvSpPr>
+          <p:nvPr>
+            <p:ph type="subTitle" idx="1"/>
+          </p:nvPr>
+        </p:nvSpPr>
+        <p:spPr>
+          <a:xfrm flipH="1">
+            <a:off x="720000" y="1132375"/>
+            <a:ext cx="7704000" cy="3614286"/>
+          </a:xfrm>
+        </p:spPr>
+        <p:txBody>
+          <a:bodyPr/>
+          <a:lstStyle/>
+          <a:p>
+            <a:r>
+              <a:rPr lang="en-US" sz="1600" dirty="0"/>
+              <a:t>Python has become very popular in India due to its straightforward design, multifunctional nature, and convenience. </a:t>
+            </a:r>
+          </a:p>
+          <a:p>
+            <a:r>
+              <a:rPr lang="en-US" sz="1600" dirty="0" smtClean="0"/>
+              <a:t>Fresher's </a:t>
+            </a:r>
+            <a:r>
+              <a:rPr lang="en-US" sz="1600" dirty="0"/>
+              <a:t>who have completed a </a:t>
+            </a:r>
+            <a:r>
+              <a:rPr lang="en-US" sz="1600" b="1" dirty="0"/>
+              <a:t>Python Course</a:t>
+            </a:r>
+            <a:r>
+              <a:rPr lang="en-US" sz="1600" dirty="0"/>
+              <a:t> have experienced a 25% increase in their starting salaries compared to those without Python skills.</a:t>
+            </a:r>
+          </a:p>
+          <a:p>
+            <a:r>
+              <a:rPr lang="en-US" sz="1600" dirty="0"/>
+              <a:t>The demand for </a:t>
+            </a:r>
+            <a:r>
+              <a:rPr lang="en-US" sz="1600" b="1" u="sng" dirty="0">
+                <a:hlinkClick r:id="rId3"/>
+              </a:rPr>
+              <a:t>Python Training in Ahmedabad</a:t>
+            </a:r>
+            <a:r>
+              <a:rPr lang="en-US" sz="1600" dirty="0"/>
+              <a:t> has grown by 40% over the past two years.</a:t>
+            </a:r>
+          </a:p>
+          <a:p>
+            <a:r>
+              <a:rPr lang="en-US" sz="1600" dirty="0"/>
+              <a:t>A study revealed that Python is the most commonly employed language for handling data and analytics, web development and automation in India, with 44% of those </a:t>
+            </a:r>
+            <a:r>
+              <a:rPr lang="en-US" sz="1600"/>
+              <a:t>surveyed </a:t>
+            </a:r>
+            <a:r>
+              <a:rPr lang="en-US" sz="1600" smtClean="0"/>
+              <a:t>utilizing </a:t>
+            </a:r>
+            <a:r>
+              <a:rPr lang="en-US" sz="1600" dirty="0"/>
+              <a:t>it.</a:t>
+            </a:r>
+          </a:p>
+          <a:p>
+            <a:r>
+              <a:rPr lang="en-US" sz="1600" dirty="0"/>
+              <a:t>Python's widespread use may be due to its effectiveness at handling complicated tasks and its large library of modules and packages, which enables programmers to build applications more quickly. </a:t>
+            </a:r>
+          </a:p>
+          <a:p>
+            <a:r>
+              <a:rPr lang="en-US" sz="1600" dirty="0"/>
+              <a:t>The need for Python developers is anticipated to expand even more as the Indian IT sector develops. </a:t>
+            </a:r>
+          </a:p>
+          <a:p>
+            <a:endParaRPr lang="en-US" sz="1600" dirty="0"/>
+          </a:p>
+        </p:txBody>
+      </p:sp>
+      <p:sp>
+        <p:nvSpPr>
+          <p:cNvPr id="3" name="Title 2"/>
+          <p:cNvSpPr>
+            <a:spLocks noGrp="1"/>
+          </p:cNvSpPr>
+          <p:nvPr>
+            <p:ph type="title"/>
+          </p:nvPr>
+        </p:nvSpPr>
+        <p:spPr/>
+        <p:txBody>
+          <a:bodyPr/>
+          <a:lstStyle/>
+          <a:p>
+            <a:r>
+              <a:rPr lang="en-US" dirty="0" smtClean="0"/>
+              <a:t>SCOPE &amp; FUTURE OF PYTHON</a:t>
+            </a:r>
+            <a:endParaRPr lang="en-US" dirty="0"/>
+          </a:p>
+        </p:txBody>
+      </p:sp>
+    </p:spTree>
+    <p:extLst>
+      <p:ext uri="{BB962C8B-B14F-4D97-AF65-F5344CB8AC3E}">
+        <p14:creationId xmlns:p14="http://schemas.microsoft.com/office/powerpoint/2010/main" val="183234713"/>
+      </p:ext>
+    </p:extLst>
+  </p:cSld>
+  <p:clrMapOvr>
+    <a:masterClrMapping/>
+  </p:clrMapOvr>
+  <p:timing>
+    <p:tnLst>
+      <p:par>
+        <p:cTn id="1" dur="indefinite" restart="never" nodeType="tmRoot"/>
+      </p:par>
+    </p:tnLst>
+  </p:timing>
+</p:sld>
+</file>
+
+<file path=ppt/slides/slide9.xml><?xml version="1.0" encoding="utf-8"?>
 <p:sld xmlns:a="http://schemas.openxmlformats.org/drawingml/2006/main" xmlns:r="http://schemas.openxmlformats.org/officeDocument/2006/relationships" xmlns:p="http://schemas.openxmlformats.org/presentationml/2006/main">
   <p:cSld>
     <p:spTree>
@@ -13675,1861 +15093,6 @@
 </p:sld>
 </file>
 
-<file path=ppt/slides/slide2.xml><?xml version="1.0" encoding="utf-8"?>
-<p:sld xmlns:a="http://schemas.openxmlformats.org/drawingml/2006/main" xmlns:r="http://schemas.openxmlformats.org/officeDocument/2006/relationships" xmlns:p="http://schemas.openxmlformats.org/presentationml/2006/main">
-  <p:cSld>
-    <p:spTree>
-      <p:nvGrpSpPr>
-        <p:cNvPr id="1" name="Shape 346"/>
-        <p:cNvGrpSpPr/>
-        <p:nvPr/>
-      </p:nvGrpSpPr>
-      <p:grpSpPr>
-        <a:xfrm>
-          <a:off x="0" y="0"/>
-          <a:ext cx="0" cy="0"/>
-          <a:chOff x="0" y="0"/>
-          <a:chExt cx="0" cy="0"/>
-        </a:xfrm>
-      </p:grpSpPr>
-      <p:sp>
-        <p:nvSpPr>
-          <p:cNvPr id="347" name="Google Shape;347;p29"/>
-          <p:cNvSpPr txBox="1">
-            <a:spLocks noGrp="1"/>
-          </p:cNvSpPr>
-          <p:nvPr>
-            <p:ph type="title" idx="5"/>
-          </p:nvPr>
-        </p:nvSpPr>
-        <p:spPr>
-          <a:xfrm>
-            <a:off x="1278000" y="342000"/>
-            <a:ext cx="6588000" cy="669000"/>
-          </a:xfrm>
-          <a:prstGeom prst="rect">
-            <a:avLst/>
-          </a:prstGeom>
-        </p:spPr>
-        <p:txBody>
-          <a:bodyPr spcFirstLastPara="1" wrap="square" lIns="91425" tIns="91425" rIns="91425" bIns="91425" anchor="t" anchorCtr="0">
-            <a:noAutofit/>
-          </a:bodyPr>
-          <a:lstStyle/>
-          <a:p>
-            <a:pPr marL="0" lvl="0" indent="0" algn="ctr" rtl="0">
-              <a:spcBef>
-                <a:spcPts val="0"/>
-              </a:spcBef>
-              <a:spcAft>
-                <a:spcPts val="0"/>
-              </a:spcAft>
-              <a:buNone/>
-            </a:pPr>
-            <a:r>
-              <a:rPr lang="en" dirty="0" smtClean="0"/>
-              <a:t>CONTENTS</a:t>
-            </a:r>
-            <a:endParaRPr dirty="0"/>
-          </a:p>
-        </p:txBody>
-      </p:sp>
-      <p:sp>
-        <p:nvSpPr>
-          <p:cNvPr id="348" name="Google Shape;348;p29"/>
-          <p:cNvSpPr txBox="1">
-            <a:spLocks noGrp="1"/>
-          </p:cNvSpPr>
-          <p:nvPr>
-            <p:ph type="ctrTitle"/>
-          </p:nvPr>
-        </p:nvSpPr>
-        <p:spPr>
-          <a:xfrm flipH="1">
-            <a:off x="2189800" y="1848349"/>
-            <a:ext cx="2163900" cy="240900"/>
-          </a:xfrm>
-          <a:prstGeom prst="rect">
-            <a:avLst/>
-          </a:prstGeom>
-        </p:spPr>
-        <p:txBody>
-          <a:bodyPr spcFirstLastPara="1" wrap="square" lIns="91425" tIns="0" rIns="91425" bIns="0" anchor="b" anchorCtr="0">
-            <a:noAutofit/>
-          </a:bodyPr>
-          <a:lstStyle/>
-          <a:p>
-            <a:pPr marL="0" lvl="0" indent="0" algn="l" rtl="0">
-              <a:spcBef>
-                <a:spcPts val="0"/>
-              </a:spcBef>
-              <a:spcAft>
-                <a:spcPts val="0"/>
-              </a:spcAft>
-              <a:buNone/>
-            </a:pPr>
-            <a:r>
-              <a:rPr lang="en" sz="3500" b="1"/>
-              <a:t>01</a:t>
-            </a:r>
-            <a:endParaRPr sz="3500" b="1"/>
-          </a:p>
-        </p:txBody>
-      </p:sp>
-      <p:sp>
-        <p:nvSpPr>
-          <p:cNvPr id="349" name="Google Shape;349;p29"/>
-          <p:cNvSpPr txBox="1">
-            <a:spLocks noGrp="1"/>
-          </p:cNvSpPr>
-          <p:nvPr>
-            <p:ph type="subTitle" idx="1"/>
-          </p:nvPr>
-        </p:nvSpPr>
-        <p:spPr>
-          <a:xfrm flipH="1">
-            <a:off x="1489753" y="2162325"/>
-            <a:ext cx="2863948" cy="426600"/>
-          </a:xfrm>
-          <a:prstGeom prst="rect">
-            <a:avLst/>
-          </a:prstGeom>
-        </p:spPr>
-        <p:txBody>
-          <a:bodyPr spcFirstLastPara="1" wrap="square" lIns="91425" tIns="0" rIns="91425" bIns="0" anchor="t" anchorCtr="0">
-            <a:noAutofit/>
-          </a:bodyPr>
-          <a:lstStyle/>
-          <a:p>
-            <a:pPr marL="0" lvl="0" indent="0" algn="l" rtl="0">
-              <a:spcBef>
-                <a:spcPts val="0"/>
-              </a:spcBef>
-              <a:spcAft>
-                <a:spcPts val="0"/>
-              </a:spcAft>
-              <a:buNone/>
-            </a:pPr>
-            <a:r>
-              <a:rPr lang="en" dirty="0" smtClean="0"/>
-              <a:t>What is Python?</a:t>
-            </a:r>
-            <a:endParaRPr sz="2200" b="1" dirty="0">
-              <a:latin typeface="Overpass Mono"/>
-              <a:ea typeface="Overpass Mono"/>
-              <a:cs typeface="Overpass Mono"/>
-              <a:sym typeface="Overpass Mono"/>
-            </a:endParaRPr>
-          </a:p>
-        </p:txBody>
-      </p:sp>
-      <p:sp>
-        <p:nvSpPr>
-          <p:cNvPr id="350" name="Google Shape;350;p29"/>
-          <p:cNvSpPr txBox="1">
-            <a:spLocks noGrp="1"/>
-          </p:cNvSpPr>
-          <p:nvPr>
-            <p:ph type="ctrTitle" idx="2"/>
-          </p:nvPr>
-        </p:nvSpPr>
-        <p:spPr>
-          <a:xfrm flipH="1">
-            <a:off x="4811675" y="1848401"/>
-            <a:ext cx="2163900" cy="240900"/>
-          </a:xfrm>
-          <a:prstGeom prst="rect">
-            <a:avLst/>
-          </a:prstGeom>
-        </p:spPr>
-        <p:txBody>
-          <a:bodyPr spcFirstLastPara="1" wrap="square" lIns="91425" tIns="0" rIns="91425" bIns="0" anchor="b" anchorCtr="0">
-            <a:noAutofit/>
-          </a:bodyPr>
-          <a:lstStyle/>
-          <a:p>
-            <a:pPr marL="0" lvl="0" indent="0" algn="r" rtl="0">
-              <a:spcBef>
-                <a:spcPts val="0"/>
-              </a:spcBef>
-              <a:spcAft>
-                <a:spcPts val="0"/>
-              </a:spcAft>
-              <a:buNone/>
-            </a:pPr>
-            <a:r>
-              <a:rPr lang="en" sz="3500" b="1"/>
-              <a:t>03</a:t>
-            </a:r>
-            <a:endParaRPr sz="3500" b="1"/>
-          </a:p>
-        </p:txBody>
-      </p:sp>
-      <p:sp>
-        <p:nvSpPr>
-          <p:cNvPr id="351" name="Google Shape;351;p29"/>
-          <p:cNvSpPr txBox="1">
-            <a:spLocks noGrp="1"/>
-          </p:cNvSpPr>
-          <p:nvPr>
-            <p:ph type="subTitle" idx="3"/>
-          </p:nvPr>
-        </p:nvSpPr>
-        <p:spPr>
-          <a:xfrm flipH="1">
-            <a:off x="5548045" y="2163531"/>
-            <a:ext cx="2486346" cy="651588"/>
-          </a:xfrm>
-          <a:prstGeom prst="rect">
-            <a:avLst/>
-          </a:prstGeom>
-        </p:spPr>
-        <p:txBody>
-          <a:bodyPr spcFirstLastPara="1" wrap="square" lIns="91425" tIns="0" rIns="91425" bIns="0" anchor="t" anchorCtr="0">
-            <a:noAutofit/>
-          </a:bodyPr>
-          <a:lstStyle/>
-          <a:p>
-            <a:pPr marL="0" lvl="0" indent="0" algn="r" rtl="0">
-              <a:spcBef>
-                <a:spcPts val="0"/>
-              </a:spcBef>
-              <a:spcAft>
-                <a:spcPts val="0"/>
-              </a:spcAft>
-              <a:buNone/>
-            </a:pPr>
-            <a:r>
-              <a:rPr lang="en" dirty="0" smtClean="0"/>
-              <a:t>Advantages &amp; Disadvantages</a:t>
-            </a:r>
-            <a:endParaRPr sz="2200" b="1" dirty="0">
-              <a:latin typeface="Overpass Mono"/>
-              <a:ea typeface="Overpass Mono"/>
-              <a:cs typeface="Overpass Mono"/>
-              <a:sym typeface="Overpass Mono"/>
-            </a:endParaRPr>
-          </a:p>
-        </p:txBody>
-      </p:sp>
-      <p:sp>
-        <p:nvSpPr>
-          <p:cNvPr id="352" name="Google Shape;352;p29"/>
-          <p:cNvSpPr txBox="1">
-            <a:spLocks noGrp="1"/>
-          </p:cNvSpPr>
-          <p:nvPr>
-            <p:ph type="ctrTitle" idx="6"/>
-          </p:nvPr>
-        </p:nvSpPr>
-        <p:spPr>
-          <a:xfrm flipH="1">
-            <a:off x="2189800" y="3258286"/>
-            <a:ext cx="2163900" cy="240900"/>
-          </a:xfrm>
-          <a:prstGeom prst="rect">
-            <a:avLst/>
-          </a:prstGeom>
-        </p:spPr>
-        <p:txBody>
-          <a:bodyPr spcFirstLastPara="1" wrap="square" lIns="91425" tIns="0" rIns="91425" bIns="0" anchor="b" anchorCtr="0">
-            <a:noAutofit/>
-          </a:bodyPr>
-          <a:lstStyle/>
-          <a:p>
-            <a:pPr marL="0" lvl="0" indent="0" algn="l" rtl="0">
-              <a:spcBef>
-                <a:spcPts val="0"/>
-              </a:spcBef>
-              <a:spcAft>
-                <a:spcPts val="0"/>
-              </a:spcAft>
-              <a:buNone/>
-            </a:pPr>
-            <a:r>
-              <a:rPr lang="en" dirty="0"/>
-              <a:t>02</a:t>
-            </a:r>
-            <a:endParaRPr dirty="0"/>
-          </a:p>
-        </p:txBody>
-      </p:sp>
-      <p:sp>
-        <p:nvSpPr>
-          <p:cNvPr id="354" name="Google Shape;354;p29"/>
-          <p:cNvSpPr txBox="1">
-            <a:spLocks noGrp="1"/>
-          </p:cNvSpPr>
-          <p:nvPr>
-            <p:ph type="ctrTitle" idx="8"/>
-          </p:nvPr>
-        </p:nvSpPr>
-        <p:spPr>
-          <a:xfrm flipH="1">
-            <a:off x="4811675" y="3258338"/>
-            <a:ext cx="2163900" cy="240900"/>
-          </a:xfrm>
-          <a:prstGeom prst="rect">
-            <a:avLst/>
-          </a:prstGeom>
-        </p:spPr>
-        <p:txBody>
-          <a:bodyPr spcFirstLastPara="1" wrap="square" lIns="91425" tIns="0" rIns="91425" bIns="0" anchor="b" anchorCtr="0">
-            <a:noAutofit/>
-          </a:bodyPr>
-          <a:lstStyle/>
-          <a:p>
-            <a:pPr marL="0" lvl="0" indent="0" algn="r" rtl="0">
-              <a:spcBef>
-                <a:spcPts val="0"/>
-              </a:spcBef>
-              <a:spcAft>
-                <a:spcPts val="0"/>
-              </a:spcAft>
-              <a:buNone/>
-            </a:pPr>
-            <a:r>
-              <a:rPr lang="en"/>
-              <a:t>04</a:t>
-            </a:r>
-            <a:endParaRPr/>
-          </a:p>
-        </p:txBody>
-      </p:sp>
-      <p:sp>
-        <p:nvSpPr>
-          <p:cNvPr id="355" name="Google Shape;355;p29"/>
-          <p:cNvSpPr txBox="1">
-            <a:spLocks noGrp="1"/>
-          </p:cNvSpPr>
-          <p:nvPr>
-            <p:ph type="subTitle" idx="9"/>
-          </p:nvPr>
-        </p:nvSpPr>
-        <p:spPr>
-          <a:xfrm flipH="1">
-            <a:off x="5322013" y="3572262"/>
-            <a:ext cx="2712378" cy="649211"/>
-          </a:xfrm>
-          <a:prstGeom prst="rect">
-            <a:avLst/>
-          </a:prstGeom>
-        </p:spPr>
-        <p:txBody>
-          <a:bodyPr spcFirstLastPara="1" wrap="square" lIns="91425" tIns="0" rIns="91425" bIns="0" anchor="t" anchorCtr="0">
-            <a:noAutofit/>
-          </a:bodyPr>
-          <a:lstStyle/>
-          <a:p>
-            <a:pPr marL="0" lvl="0" indent="0" algn="r" rtl="0">
-              <a:spcBef>
-                <a:spcPts val="0"/>
-              </a:spcBef>
-              <a:spcAft>
-                <a:spcPts val="0"/>
-              </a:spcAft>
-              <a:buNone/>
-            </a:pPr>
-            <a:r>
-              <a:rPr lang="en" dirty="0" smtClean="0"/>
-              <a:t>Scope &amp; Future of Python</a:t>
-            </a:r>
-            <a:endParaRPr dirty="0"/>
-          </a:p>
-          <a:p>
-            <a:pPr marL="0" lvl="0" indent="0" algn="r" rtl="0">
-              <a:spcBef>
-                <a:spcPts val="0"/>
-              </a:spcBef>
-              <a:spcAft>
-                <a:spcPts val="0"/>
-              </a:spcAft>
-              <a:buNone/>
-            </a:pPr>
-            <a:endParaRPr dirty="0"/>
-          </a:p>
-          <a:p>
-            <a:pPr marL="0" lvl="0" indent="0" algn="r" rtl="0">
-              <a:spcBef>
-                <a:spcPts val="0"/>
-              </a:spcBef>
-              <a:spcAft>
-                <a:spcPts val="0"/>
-              </a:spcAft>
-              <a:buNone/>
-            </a:pPr>
-            <a:endParaRPr dirty="0"/>
-          </a:p>
-        </p:txBody>
-      </p:sp>
-      <p:sp>
-        <p:nvSpPr>
-          <p:cNvPr id="2" name="Subtitle 1"/>
-          <p:cNvSpPr>
-            <a:spLocks noGrp="1"/>
-          </p:cNvSpPr>
-          <p:nvPr>
-            <p:ph type="subTitle" idx="7"/>
-          </p:nvPr>
-        </p:nvSpPr>
-        <p:spPr>
-          <a:xfrm flipH="1">
-            <a:off x="1799383" y="3572262"/>
-            <a:ext cx="1950684" cy="427806"/>
-          </a:xfrm>
-        </p:spPr>
-        <p:txBody>
-          <a:bodyPr/>
-          <a:lstStyle/>
-          <a:p>
-            <a:r>
-              <a:rPr lang="en-US" dirty="0" smtClean="0"/>
-              <a:t>Features</a:t>
-            </a:r>
-            <a:endParaRPr lang="en-US" dirty="0"/>
-          </a:p>
-        </p:txBody>
-      </p:sp>
-    </p:spTree>
-  </p:cSld>
-  <p:clrMapOvr>
-    <a:masterClrMapping/>
-  </p:clrMapOvr>
-  <p:timing>
-    <p:tnLst>
-      <p:par>
-        <p:cTn id="1" dur="indefinite" restart="never" nodeType="tmRoot"/>
-      </p:par>
-    </p:tnLst>
-  </p:timing>
-</p:sld>
-</file>
-
-<file path=ppt/slides/slide3.xml><?xml version="1.0" encoding="utf-8"?>
-<p:sld xmlns:a="http://schemas.openxmlformats.org/drawingml/2006/main" xmlns:r="http://schemas.openxmlformats.org/officeDocument/2006/relationships" xmlns:p="http://schemas.openxmlformats.org/presentationml/2006/main">
-  <p:cSld>
-    <p:spTree>
-      <p:nvGrpSpPr>
-        <p:cNvPr id="1" name="Shape 339"/>
-        <p:cNvGrpSpPr/>
-        <p:nvPr/>
-      </p:nvGrpSpPr>
-      <p:grpSpPr>
-        <a:xfrm>
-          <a:off x="0" y="0"/>
-          <a:ext cx="0" cy="0"/>
-          <a:chOff x="0" y="0"/>
-          <a:chExt cx="0" cy="0"/>
-        </a:xfrm>
-      </p:grpSpPr>
-      <p:sp>
-        <p:nvSpPr>
-          <p:cNvPr id="340" name="Google Shape;340;p28"/>
-          <p:cNvSpPr txBox="1">
-            <a:spLocks noGrp="1"/>
-          </p:cNvSpPr>
-          <p:nvPr>
-            <p:ph type="title"/>
-          </p:nvPr>
-        </p:nvSpPr>
-        <p:spPr>
-          <a:xfrm>
-            <a:off x="1278050" y="343200"/>
-            <a:ext cx="6588000" cy="669000"/>
-          </a:xfrm>
-          <a:prstGeom prst="rect">
-            <a:avLst/>
-          </a:prstGeom>
-        </p:spPr>
-        <p:txBody>
-          <a:bodyPr spcFirstLastPara="1" wrap="square" lIns="91425" tIns="91425" rIns="91425" bIns="91425" anchor="t" anchorCtr="0">
-            <a:noAutofit/>
-          </a:bodyPr>
-          <a:lstStyle/>
-          <a:p>
-            <a:pPr marL="0" lvl="0" indent="0" algn="ctr" rtl="0">
-              <a:spcBef>
-                <a:spcPts val="0"/>
-              </a:spcBef>
-              <a:spcAft>
-                <a:spcPts val="0"/>
-              </a:spcAft>
-              <a:buNone/>
-            </a:pPr>
-            <a:r>
-              <a:rPr lang="en" dirty="0" smtClean="0"/>
-              <a:t>WHAT IS PYTHON</a:t>
-            </a:r>
-            <a:r>
-              <a:rPr lang="en" dirty="0" smtClean="0"/>
-              <a:t>?</a:t>
-            </a:r>
-            <a:endParaRPr dirty="0"/>
-          </a:p>
-        </p:txBody>
-      </p:sp>
-      <p:sp>
-        <p:nvSpPr>
-          <p:cNvPr id="341" name="Google Shape;341;p28"/>
-          <p:cNvSpPr txBox="1">
-            <a:spLocks noGrp="1"/>
-          </p:cNvSpPr>
-          <p:nvPr>
-            <p:ph type="subTitle" idx="1"/>
-          </p:nvPr>
-        </p:nvSpPr>
-        <p:spPr>
-          <a:xfrm flipH="1">
-            <a:off x="720000" y="1132375"/>
-            <a:ext cx="7704000" cy="3294000"/>
-          </a:xfrm>
-          <a:prstGeom prst="rect">
-            <a:avLst/>
-          </a:prstGeom>
-        </p:spPr>
-        <p:txBody>
-          <a:bodyPr spcFirstLastPara="1" wrap="square" lIns="91425" tIns="91425" rIns="91425" bIns="91425" anchor="t" anchorCtr="0">
-            <a:noAutofit/>
-          </a:bodyPr>
-          <a:lstStyle/>
-          <a:p>
-            <a:pPr marL="285750" lvl="0" indent="-285750" algn="just">
-              <a:buFont typeface="Wingdings" panose="05000000000000000000" pitchFamily="2" charset="2"/>
-              <a:buChar char="Ø"/>
-            </a:pPr>
-            <a:r>
-              <a:rPr lang="en-US" sz="1600" dirty="0"/>
-              <a:t>Python is used for server-side web development, software development, mathematics, and system scripting, and is popular for Rapid Application Development and as a scripting or glue language to tie existing components because of its high-level, built-in data structures, dynamic typing, and </a:t>
-            </a:r>
-            <a:r>
-              <a:rPr lang="en-US" sz="1600" dirty="0" smtClean="0"/>
-              <a:t>dynamic </a:t>
-            </a:r>
-            <a:r>
-              <a:rPr lang="en-US" sz="1600" dirty="0"/>
-              <a:t>binding</a:t>
-            </a:r>
-            <a:r>
-              <a:rPr lang="en-US" sz="1600" dirty="0" smtClean="0"/>
-              <a:t>.</a:t>
-            </a:r>
-          </a:p>
-          <a:p>
-            <a:pPr marL="285750" lvl="0" indent="-285750" algn="just">
-              <a:buFont typeface="Wingdings" panose="05000000000000000000" pitchFamily="2" charset="2"/>
-              <a:buChar char="Ø"/>
-            </a:pPr>
-            <a:endParaRPr lang="en-US" sz="1600" dirty="0"/>
-          </a:p>
-          <a:p>
-            <a:pPr marL="285750" lvl="0" indent="-285750" algn="just">
-              <a:buFont typeface="Wingdings" panose="05000000000000000000" pitchFamily="2" charset="2"/>
-              <a:buChar char="Ø"/>
-            </a:pPr>
-            <a:r>
-              <a:rPr lang="en-US" sz="1600" dirty="0"/>
-              <a:t>Python can connect to database systems. It can also read and modify files. Python can be used to handle big data and perform complex mathematics. Python can be used for rapid prototyping, or for production-ready software development</a:t>
-            </a:r>
-            <a:r>
-              <a:rPr lang="en-US" sz="1600" dirty="0" smtClean="0"/>
-              <a:t>.</a:t>
-            </a:r>
-          </a:p>
-        </p:txBody>
-      </p:sp>
-    </p:spTree>
-  </p:cSld>
-  <p:clrMapOvr>
-    <a:masterClrMapping/>
-  </p:clrMapOvr>
-  <p:timing>
-    <p:tnLst>
-      <p:par>
-        <p:cTn id="1" dur="indefinite" restart="never" nodeType="tmRoot"/>
-      </p:par>
-    </p:tnLst>
-  </p:timing>
-</p:sld>
-</file>
-
-<file path=ppt/slides/slide4.xml><?xml version="1.0" encoding="utf-8"?>
-<p:sld xmlns:a="http://schemas.openxmlformats.org/drawingml/2006/main" xmlns:r="http://schemas.openxmlformats.org/officeDocument/2006/relationships" xmlns:p="http://schemas.openxmlformats.org/presentationml/2006/main">
-  <p:cSld>
-    <p:spTree>
-      <p:nvGrpSpPr>
-        <p:cNvPr id="1" name="Shape 359"/>
-        <p:cNvGrpSpPr/>
-        <p:nvPr/>
-      </p:nvGrpSpPr>
-      <p:grpSpPr>
-        <a:xfrm>
-          <a:off x="0" y="0"/>
-          <a:ext cx="0" cy="0"/>
-          <a:chOff x="0" y="0"/>
-          <a:chExt cx="0" cy="0"/>
-        </a:xfrm>
-      </p:grpSpPr>
-      <p:pic>
-        <p:nvPicPr>
-          <p:cNvPr id="360" name="Google Shape;360;p30"/>
-          <p:cNvPicPr preferRelativeResize="0"/>
-          <p:nvPr/>
-        </p:nvPicPr>
-        <p:blipFill rotWithShape="1">
-          <a:blip r:embed="rId3">
-            <a:alphaModFix/>
-          </a:blip>
-          <a:srcRect l="24495" t="18187" r="9353" b="4812"/>
-          <a:stretch/>
-        </p:blipFill>
-        <p:spPr>
-          <a:xfrm>
-            <a:off x="5353050" y="1809750"/>
-            <a:ext cx="3324251" cy="2581274"/>
-          </a:xfrm>
-          <a:prstGeom prst="rect">
-            <a:avLst/>
-          </a:prstGeom>
-          <a:noFill/>
-          <a:ln>
-            <a:noFill/>
-          </a:ln>
-        </p:spPr>
-      </p:pic>
-      <p:sp>
-        <p:nvSpPr>
-          <p:cNvPr id="361" name="Google Shape;361;p30"/>
-          <p:cNvSpPr txBox="1">
-            <a:spLocks noGrp="1"/>
-          </p:cNvSpPr>
-          <p:nvPr>
-            <p:ph type="body" idx="1"/>
-          </p:nvPr>
-        </p:nvSpPr>
-        <p:spPr>
-          <a:xfrm>
-            <a:off x="609499" y="1973025"/>
-            <a:ext cx="3512700" cy="2130900"/>
-          </a:xfrm>
-          <a:prstGeom prst="rect">
-            <a:avLst/>
-          </a:prstGeom>
-        </p:spPr>
-        <p:txBody>
-          <a:bodyPr spcFirstLastPara="1" wrap="square" lIns="91425" tIns="91425" rIns="91425" bIns="91425" anchor="t" anchorCtr="0">
-            <a:noAutofit/>
-          </a:bodyPr>
-          <a:lstStyle/>
-          <a:p>
-            <a:pPr marL="0" indent="0" algn="just">
-              <a:buNone/>
-            </a:pPr>
-            <a:r>
-              <a:rPr lang="en-US" dirty="0"/>
-              <a:t>Python was created by Guido van Rossum, and first released on February 20, 1991. While you may know the python as a large snake, the name of the Python programming language comes from an old BBC television comedy sketch series called Monty Python's Flying Circus.</a:t>
-            </a:r>
-          </a:p>
-          <a:p>
-            <a:pPr marL="0" lvl="0" indent="0" algn="just" rtl="0">
-              <a:spcBef>
-                <a:spcPts val="0"/>
-              </a:spcBef>
-              <a:spcAft>
-                <a:spcPts val="0"/>
-              </a:spcAft>
-              <a:buNone/>
-            </a:pPr>
-            <a:endParaRPr dirty="0"/>
-          </a:p>
-        </p:txBody>
-      </p:sp>
-      <p:sp>
-        <p:nvSpPr>
-          <p:cNvPr id="362" name="Google Shape;362;p30"/>
-          <p:cNvSpPr txBox="1">
-            <a:spLocks noGrp="1"/>
-          </p:cNvSpPr>
-          <p:nvPr>
-            <p:ph type="title"/>
-          </p:nvPr>
-        </p:nvSpPr>
-        <p:spPr>
-          <a:xfrm>
-            <a:off x="560825" y="1168325"/>
-            <a:ext cx="6045458" cy="669000"/>
-          </a:xfrm>
-          <a:prstGeom prst="rect">
-            <a:avLst/>
-          </a:prstGeom>
-        </p:spPr>
-        <p:txBody>
-          <a:bodyPr spcFirstLastPara="1" wrap="square" lIns="91425" tIns="91425" rIns="91425" bIns="91425" anchor="t" anchorCtr="0">
-            <a:noAutofit/>
-          </a:bodyPr>
-          <a:lstStyle/>
-          <a:p>
-            <a:pPr marL="0" lvl="0" indent="0" algn="l" rtl="0">
-              <a:spcBef>
-                <a:spcPts val="0"/>
-              </a:spcBef>
-              <a:spcAft>
-                <a:spcPts val="0"/>
-              </a:spcAft>
-              <a:buNone/>
-            </a:pPr>
-            <a:r>
-              <a:rPr lang="en" dirty="0" smtClean="0"/>
-              <a:t>WHEN WAS PYTHON CREATED</a:t>
-            </a:r>
-            <a:r>
-              <a:rPr lang="en" dirty="0" smtClean="0"/>
-              <a:t>?</a:t>
-            </a:r>
-            <a:endParaRPr dirty="0">
-              <a:solidFill>
-                <a:schemeClr val="dk2"/>
-              </a:solidFill>
-            </a:endParaRPr>
-          </a:p>
-        </p:txBody>
-      </p:sp>
-      <p:sp>
-        <p:nvSpPr>
-          <p:cNvPr id="363" name="Google Shape;363;p30"/>
-          <p:cNvSpPr/>
-          <p:nvPr/>
-        </p:nvSpPr>
-        <p:spPr>
-          <a:xfrm>
-            <a:off x="7524751" y="3887550"/>
-            <a:ext cx="1619286" cy="241405"/>
-          </a:xfrm>
-          <a:custGeom>
-            <a:avLst/>
-            <a:gdLst/>
-            <a:ahLst/>
-            <a:cxnLst/>
-            <a:rect l="l" t="t" r="r" b="b"/>
-            <a:pathLst>
-              <a:path w="146079" h="5859" extrusionOk="0">
-                <a:moveTo>
-                  <a:pt x="1" y="1"/>
-                </a:moveTo>
-                <a:lnTo>
-                  <a:pt x="1" y="5858"/>
-                </a:lnTo>
-                <a:lnTo>
-                  <a:pt x="146079" y="5858"/>
-                </a:lnTo>
-                <a:lnTo>
-                  <a:pt x="146079" y="1"/>
-                </a:lnTo>
-                <a:close/>
-              </a:path>
-            </a:pathLst>
-          </a:custGeom>
-          <a:solidFill>
-            <a:schemeClr val="dk2"/>
-          </a:solidFill>
-          <a:ln>
-            <a:noFill/>
-          </a:ln>
-        </p:spPr>
-        <p:txBody>
-          <a:bodyPr spcFirstLastPara="1" wrap="square" lIns="91425" tIns="91425" rIns="91425" bIns="91425" anchor="ctr" anchorCtr="0">
-            <a:noAutofit/>
-          </a:bodyPr>
-          <a:lstStyle/>
-          <a:p>
-            <a:pPr marL="0" lvl="0" indent="0" algn="l" rtl="0">
-              <a:spcBef>
-                <a:spcPts val="0"/>
-              </a:spcBef>
-              <a:spcAft>
-                <a:spcPts val="0"/>
-              </a:spcAft>
-              <a:buNone/>
-            </a:pPr>
-            <a:endParaRPr/>
-          </a:p>
-        </p:txBody>
-      </p:sp>
-    </p:spTree>
-  </p:cSld>
-  <p:clrMapOvr>
-    <a:masterClrMapping/>
-  </p:clrMapOvr>
-  <p:timing>
-    <p:tnLst>
-      <p:par>
-        <p:cTn id="1" dur="indefinite" restart="never" nodeType="tmRoot"/>
-      </p:par>
-    </p:tnLst>
-  </p:timing>
-</p:sld>
-</file>
-
-<file path=ppt/slides/slide5.xml><?xml version="1.0" encoding="utf-8"?>
-<p:sld xmlns:a="http://schemas.openxmlformats.org/drawingml/2006/main" xmlns:r="http://schemas.openxmlformats.org/officeDocument/2006/relationships" xmlns:p="http://schemas.openxmlformats.org/presentationml/2006/main">
-  <p:cSld>
-    <p:spTree>
-      <p:nvGrpSpPr>
-        <p:cNvPr id="1" name="Shape 924"/>
-        <p:cNvGrpSpPr/>
-        <p:nvPr/>
-      </p:nvGrpSpPr>
-      <p:grpSpPr>
-        <a:xfrm>
-          <a:off x="0" y="0"/>
-          <a:ext cx="0" cy="0"/>
-          <a:chOff x="0" y="0"/>
-          <a:chExt cx="0" cy="0"/>
-        </a:xfrm>
-      </p:grpSpPr>
-      <p:sp>
-        <p:nvSpPr>
-          <p:cNvPr id="925" name="Google Shape;925;p54"/>
-          <p:cNvSpPr txBox="1">
-            <a:spLocks noGrp="1"/>
-          </p:cNvSpPr>
-          <p:nvPr>
-            <p:ph type="title"/>
-          </p:nvPr>
-        </p:nvSpPr>
-        <p:spPr>
-          <a:xfrm>
-            <a:off x="1278050" y="343200"/>
-            <a:ext cx="6588000" cy="669000"/>
-          </a:xfrm>
-          <a:prstGeom prst="rect">
-            <a:avLst/>
-          </a:prstGeom>
-        </p:spPr>
-        <p:txBody>
-          <a:bodyPr spcFirstLastPara="1" wrap="square" lIns="91425" tIns="91425" rIns="91425" bIns="91425" anchor="t" anchorCtr="0">
-            <a:noAutofit/>
-          </a:bodyPr>
-          <a:lstStyle/>
-          <a:p>
-            <a:pPr marL="0" lvl="0" indent="0" algn="ctr" rtl="0">
-              <a:spcBef>
-                <a:spcPts val="0"/>
-              </a:spcBef>
-              <a:spcAft>
-                <a:spcPts val="0"/>
-              </a:spcAft>
-              <a:buNone/>
-            </a:pPr>
-            <a:r>
-              <a:rPr lang="en" dirty="0" smtClean="0"/>
-              <a:t>PYTHON </a:t>
-            </a:r>
-            <a:r>
-              <a:rPr lang="en" dirty="0" smtClean="0"/>
-              <a:t>RESOURCES</a:t>
-            </a:r>
-            <a:endParaRPr dirty="0"/>
-          </a:p>
-        </p:txBody>
-      </p:sp>
-      <p:sp>
-        <p:nvSpPr>
-          <p:cNvPr id="926" name="Google Shape;926;p54"/>
-          <p:cNvSpPr txBox="1"/>
-          <p:nvPr/>
-        </p:nvSpPr>
-        <p:spPr>
-          <a:xfrm>
-            <a:off x="754542" y="1134000"/>
-            <a:ext cx="3566400" cy="3015000"/>
-          </a:xfrm>
-          <a:prstGeom prst="rect">
-            <a:avLst/>
-          </a:prstGeom>
-          <a:noFill/>
-          <a:ln>
-            <a:noFill/>
-          </a:ln>
-        </p:spPr>
-        <p:txBody>
-          <a:bodyPr spcFirstLastPara="1" wrap="square" lIns="91425" tIns="91425" rIns="91425" bIns="91425" anchor="t" anchorCtr="0">
-            <a:noAutofit/>
-          </a:bodyPr>
-          <a:lstStyle/>
-          <a:p>
-            <a:pPr marL="0" lvl="0" indent="0" algn="l" rtl="0">
-              <a:lnSpc>
-                <a:spcPct val="115000"/>
-              </a:lnSpc>
-              <a:spcBef>
-                <a:spcPts val="0"/>
-              </a:spcBef>
-              <a:spcAft>
-                <a:spcPts val="0"/>
-              </a:spcAft>
-              <a:buNone/>
-            </a:pPr>
-            <a:r>
-              <a:rPr lang="en-US" dirty="0" smtClean="0">
-                <a:solidFill>
-                  <a:schemeClr val="lt1"/>
-                </a:solidFill>
-                <a:latin typeface="Anaheim"/>
-                <a:ea typeface="Anaheim"/>
-                <a:cs typeface="Anaheim"/>
-                <a:sym typeface="Anaheim"/>
-              </a:rPr>
-              <a:t>Here are some websites if you want to learn python.</a:t>
-            </a:r>
-          </a:p>
-          <a:p>
-            <a:pPr marL="0" lvl="0" indent="0" algn="l" rtl="0">
-              <a:lnSpc>
-                <a:spcPct val="115000"/>
-              </a:lnSpc>
-              <a:spcBef>
-                <a:spcPts val="0"/>
-              </a:spcBef>
-              <a:spcAft>
-                <a:spcPts val="0"/>
-              </a:spcAft>
-              <a:buNone/>
-            </a:pPr>
-            <a:endParaRPr lang="en-US" dirty="0" smtClean="0">
-              <a:solidFill>
-                <a:schemeClr val="lt1"/>
-              </a:solidFill>
-              <a:latin typeface="Anaheim"/>
-              <a:ea typeface="Anaheim"/>
-              <a:cs typeface="Anaheim"/>
-              <a:sym typeface="Anaheim"/>
-            </a:endParaRPr>
-          </a:p>
-          <a:p>
-            <a:pPr marL="342900" lvl="0" indent="-342900" algn="l" rtl="0">
-              <a:lnSpc>
-                <a:spcPct val="115000"/>
-              </a:lnSpc>
-              <a:spcBef>
-                <a:spcPts val="0"/>
-              </a:spcBef>
-              <a:spcAft>
-                <a:spcPts val="0"/>
-              </a:spcAft>
-              <a:buFont typeface="+mj-lt"/>
-              <a:buAutoNum type="arabicPeriod"/>
-            </a:pPr>
-            <a:r>
-              <a:rPr lang="en-US" dirty="0" err="1" smtClean="0">
-                <a:solidFill>
-                  <a:schemeClr val="lt1"/>
-                </a:solidFill>
-                <a:latin typeface="Anaheim"/>
-                <a:ea typeface="Anaheim"/>
-                <a:cs typeface="Anaheim"/>
-                <a:sym typeface="Anaheim"/>
-              </a:rPr>
-              <a:t>Codecademy</a:t>
-            </a:r>
-            <a:endParaRPr lang="en-US" dirty="0" smtClean="0">
-              <a:solidFill>
-                <a:schemeClr val="lt1"/>
-              </a:solidFill>
-              <a:latin typeface="Anaheim"/>
-              <a:ea typeface="Anaheim"/>
-              <a:cs typeface="Anaheim"/>
-              <a:sym typeface="Anaheim"/>
-            </a:endParaRPr>
-          </a:p>
-          <a:p>
-            <a:pPr marL="342900" lvl="0" indent="-342900" algn="l" rtl="0">
-              <a:lnSpc>
-                <a:spcPct val="115000"/>
-              </a:lnSpc>
-              <a:spcBef>
-                <a:spcPts val="0"/>
-              </a:spcBef>
-              <a:spcAft>
-                <a:spcPts val="0"/>
-              </a:spcAft>
-              <a:buFont typeface="+mj-lt"/>
-              <a:buAutoNum type="arabicPeriod"/>
-            </a:pPr>
-            <a:r>
-              <a:rPr lang="en-US" dirty="0" smtClean="0">
-                <a:solidFill>
-                  <a:schemeClr val="lt1"/>
-                </a:solidFill>
-                <a:latin typeface="Anaheim"/>
-                <a:ea typeface="Anaheim"/>
-                <a:cs typeface="Anaheim"/>
-                <a:sym typeface="Anaheim"/>
-              </a:rPr>
-              <a:t>W3Schools</a:t>
-            </a:r>
-          </a:p>
-          <a:p>
-            <a:pPr marL="342900" lvl="0" indent="-342900" algn="l" rtl="0">
-              <a:lnSpc>
-                <a:spcPct val="115000"/>
-              </a:lnSpc>
-              <a:spcBef>
-                <a:spcPts val="0"/>
-              </a:spcBef>
-              <a:spcAft>
-                <a:spcPts val="0"/>
-              </a:spcAft>
-              <a:buFont typeface="+mj-lt"/>
-              <a:buAutoNum type="arabicPeriod"/>
-            </a:pPr>
-            <a:r>
-              <a:rPr lang="en-US" dirty="0" err="1" smtClean="0">
-                <a:solidFill>
-                  <a:schemeClr val="lt1"/>
-                </a:solidFill>
-                <a:latin typeface="Anaheim"/>
-                <a:ea typeface="Anaheim"/>
-                <a:cs typeface="Anaheim"/>
-                <a:sym typeface="Anaheim"/>
-              </a:rPr>
-              <a:t>Codewars</a:t>
-            </a:r>
-            <a:endParaRPr lang="en-US" dirty="0" smtClean="0">
-              <a:solidFill>
-                <a:schemeClr val="lt1"/>
-              </a:solidFill>
-              <a:latin typeface="Anaheim"/>
-              <a:ea typeface="Anaheim"/>
-              <a:cs typeface="Anaheim"/>
-              <a:sym typeface="Anaheim"/>
-            </a:endParaRPr>
-          </a:p>
-          <a:p>
-            <a:pPr marL="342900" lvl="0" indent="-342900" algn="l" rtl="0">
-              <a:lnSpc>
-                <a:spcPct val="115000"/>
-              </a:lnSpc>
-              <a:spcBef>
-                <a:spcPts val="0"/>
-              </a:spcBef>
-              <a:spcAft>
-                <a:spcPts val="0"/>
-              </a:spcAft>
-              <a:buFont typeface="+mj-lt"/>
-              <a:buAutoNum type="arabicPeriod"/>
-            </a:pPr>
-            <a:r>
-              <a:rPr lang="en-US" dirty="0" err="1" smtClean="0">
-                <a:solidFill>
-                  <a:schemeClr val="lt1"/>
-                </a:solidFill>
-                <a:latin typeface="Anaheim"/>
-                <a:ea typeface="Anaheim"/>
-                <a:cs typeface="Anaheim"/>
-                <a:sym typeface="Anaheim"/>
-              </a:rPr>
-              <a:t>DataCamp</a:t>
-            </a:r>
-            <a:endParaRPr lang="en-US" dirty="0" smtClean="0">
-              <a:solidFill>
-                <a:schemeClr val="lt1"/>
-              </a:solidFill>
-              <a:latin typeface="Anaheim"/>
-              <a:ea typeface="Anaheim"/>
-              <a:cs typeface="Anaheim"/>
-              <a:sym typeface="Anaheim"/>
-            </a:endParaRPr>
-          </a:p>
-          <a:p>
-            <a:pPr marL="342900" lvl="0" indent="-342900" algn="l" rtl="0">
-              <a:lnSpc>
-                <a:spcPct val="115000"/>
-              </a:lnSpc>
-              <a:spcBef>
-                <a:spcPts val="0"/>
-              </a:spcBef>
-              <a:spcAft>
-                <a:spcPts val="0"/>
-              </a:spcAft>
-              <a:buFont typeface="+mj-lt"/>
-              <a:buAutoNum type="arabicPeriod"/>
-            </a:pPr>
-            <a:r>
-              <a:rPr lang="en-US" dirty="0" err="1" smtClean="0">
-                <a:solidFill>
-                  <a:schemeClr val="lt1"/>
-                </a:solidFill>
-                <a:latin typeface="Anaheim"/>
-                <a:ea typeface="Anaheim"/>
-                <a:cs typeface="Anaheim"/>
-                <a:sym typeface="Anaheim"/>
-              </a:rPr>
-              <a:t>freeCodeCamp</a:t>
-            </a:r>
-            <a:endParaRPr lang="en-US" dirty="0" smtClean="0">
-              <a:solidFill>
-                <a:schemeClr val="lt1"/>
-              </a:solidFill>
-              <a:latin typeface="Anaheim"/>
-              <a:ea typeface="Anaheim"/>
-              <a:cs typeface="Anaheim"/>
-              <a:sym typeface="Anaheim"/>
-            </a:endParaRPr>
-          </a:p>
-        </p:txBody>
-      </p:sp>
-    </p:spTree>
-  </p:cSld>
-  <p:clrMapOvr>
-    <a:masterClrMapping/>
-  </p:clrMapOvr>
-  <p:timing>
-    <p:tnLst>
-      <p:par>
-        <p:cTn id="1" dur="indefinite" restart="never" nodeType="tmRoot"/>
-      </p:par>
-    </p:tnLst>
-  </p:timing>
-</p:sld>
-</file>
-
-<file path=ppt/slides/slide6.xml><?xml version="1.0" encoding="utf-8"?>
-<p:sld xmlns:a="http://schemas.openxmlformats.org/drawingml/2006/main" xmlns:r="http://schemas.openxmlformats.org/officeDocument/2006/relationships" xmlns:p="http://schemas.openxmlformats.org/presentationml/2006/main">
-  <p:cSld>
-    <p:spTree>
-      <p:nvGrpSpPr>
-        <p:cNvPr id="1" name="Shape 918"/>
-        <p:cNvGrpSpPr/>
-        <p:nvPr/>
-      </p:nvGrpSpPr>
-      <p:grpSpPr>
-        <a:xfrm>
-          <a:off x="0" y="0"/>
-          <a:ext cx="0" cy="0"/>
-          <a:chOff x="0" y="0"/>
-          <a:chExt cx="0" cy="0"/>
-        </a:xfrm>
-      </p:grpSpPr>
-      <p:sp>
-        <p:nvSpPr>
-          <p:cNvPr id="919" name="Google Shape;919;p53"/>
-          <p:cNvSpPr txBox="1">
-            <a:spLocks noGrp="1"/>
-          </p:cNvSpPr>
-          <p:nvPr>
-            <p:ph type="title"/>
-          </p:nvPr>
-        </p:nvSpPr>
-        <p:spPr>
-          <a:xfrm>
-            <a:off x="1278050" y="343200"/>
-            <a:ext cx="6588000" cy="669000"/>
-          </a:xfrm>
-          <a:prstGeom prst="rect">
-            <a:avLst/>
-          </a:prstGeom>
-        </p:spPr>
-        <p:txBody>
-          <a:bodyPr spcFirstLastPara="1" wrap="square" lIns="91425" tIns="91425" rIns="91425" bIns="91425" anchor="t" anchorCtr="0">
-            <a:noAutofit/>
-          </a:bodyPr>
-          <a:lstStyle/>
-          <a:p>
-            <a:pPr marL="0" lvl="0" indent="0" algn="ctr" rtl="0">
-              <a:spcBef>
-                <a:spcPts val="0"/>
-              </a:spcBef>
-              <a:spcAft>
-                <a:spcPts val="0"/>
-              </a:spcAft>
-              <a:buNone/>
-            </a:pPr>
-            <a:r>
-              <a:rPr lang="en" dirty="0" smtClean="0"/>
-              <a:t>FEATURE</a:t>
-            </a:r>
-            <a:r>
-              <a:rPr lang="en" dirty="0" smtClean="0"/>
-              <a:t>S</a:t>
-            </a:r>
-            <a:endParaRPr dirty="0"/>
-          </a:p>
-        </p:txBody>
-      </p:sp>
-      <p:sp>
-        <p:nvSpPr>
-          <p:cNvPr id="920" name="Google Shape;920;p53"/>
-          <p:cNvSpPr txBox="1"/>
-          <p:nvPr/>
-        </p:nvSpPr>
-        <p:spPr>
-          <a:xfrm>
-            <a:off x="754541" y="1134000"/>
-            <a:ext cx="7701089" cy="3015000"/>
-          </a:xfrm>
-          <a:prstGeom prst="rect">
-            <a:avLst/>
-          </a:prstGeom>
-          <a:noFill/>
-          <a:ln>
-            <a:noFill/>
-          </a:ln>
-        </p:spPr>
-        <p:txBody>
-          <a:bodyPr spcFirstLastPara="1" wrap="square" lIns="91425" tIns="91425" rIns="91425" bIns="91425" anchor="t" anchorCtr="0">
-            <a:noAutofit/>
-          </a:bodyPr>
-          <a:lstStyle/>
-          <a:p>
-            <a:pPr marL="285750" lvl="0" indent="-285750" algn="just" rtl="0">
-              <a:lnSpc>
-                <a:spcPct val="115000"/>
-              </a:lnSpc>
-              <a:spcBef>
-                <a:spcPts val="0"/>
-              </a:spcBef>
-              <a:spcAft>
-                <a:spcPts val="0"/>
-              </a:spcAft>
-              <a:buFont typeface="Arial" panose="020B0604020202020204" pitchFamily="34" charset="0"/>
-              <a:buChar char="•"/>
-            </a:pPr>
-            <a:r>
-              <a:rPr lang="en-US" sz="1600" dirty="0" smtClean="0">
-                <a:solidFill>
-                  <a:schemeClr val="lt1"/>
-                </a:solidFill>
-                <a:latin typeface="Anaheim"/>
-                <a:ea typeface="Anaheim"/>
-                <a:cs typeface="Anaheim"/>
-                <a:sym typeface="Anaheim"/>
-              </a:rPr>
-              <a:t>Uses an elegant syntax, making the programs you write easier to read.</a:t>
-            </a:r>
-            <a:endParaRPr lang="en-US" sz="1600" dirty="0">
-              <a:solidFill>
-                <a:schemeClr val="lt1"/>
-              </a:solidFill>
-              <a:latin typeface="Anaheim"/>
-              <a:ea typeface="Anaheim"/>
-              <a:cs typeface="Anaheim"/>
-              <a:sym typeface="Anaheim"/>
-            </a:endParaRPr>
-          </a:p>
-          <a:p>
-            <a:pPr marL="285750" lvl="0" indent="-285750" algn="just" rtl="0">
-              <a:lnSpc>
-                <a:spcPct val="115000"/>
-              </a:lnSpc>
-              <a:spcBef>
-                <a:spcPts val="0"/>
-              </a:spcBef>
-              <a:spcAft>
-                <a:spcPts val="0"/>
-              </a:spcAft>
-              <a:buFont typeface="Arial" panose="020B0604020202020204" pitchFamily="34" charset="0"/>
-              <a:buChar char="•"/>
-            </a:pPr>
-            <a:r>
-              <a:rPr lang="en-US" sz="1600" dirty="0" smtClean="0">
-                <a:solidFill>
-                  <a:schemeClr val="lt1"/>
-                </a:solidFill>
-                <a:latin typeface="Anaheim"/>
-                <a:ea typeface="Anaheim"/>
-                <a:cs typeface="Anaheim"/>
-                <a:sym typeface="Anaheim"/>
-              </a:rPr>
-              <a:t>Easy-to-use Language.</a:t>
-            </a:r>
-          </a:p>
-          <a:p>
-            <a:pPr marL="285750" lvl="0" indent="-285750" algn="just">
-              <a:lnSpc>
-                <a:spcPct val="115000"/>
-              </a:lnSpc>
-              <a:buFont typeface="Arial" panose="020B0604020202020204" pitchFamily="34" charset="0"/>
-              <a:buChar char="•"/>
-            </a:pPr>
-            <a:r>
-              <a:rPr lang="en-US" sz="1600" dirty="0" smtClean="0">
-                <a:solidFill>
-                  <a:schemeClr val="lt1"/>
-                </a:solidFill>
-                <a:latin typeface="Anaheim"/>
-                <a:ea typeface="Anaheim"/>
-                <a:cs typeface="Anaheim"/>
-                <a:sym typeface="Anaheim"/>
-              </a:rPr>
-              <a:t>Comes with a large standard library that supports many common programming tasks such as connecting to web, searching text with </a:t>
-            </a:r>
-            <a:r>
-              <a:rPr lang="en-US" sz="1600" dirty="0">
-                <a:solidFill>
-                  <a:schemeClr val="lt1"/>
-                </a:solidFill>
-                <a:latin typeface="Anaheim"/>
-                <a:ea typeface="Anaheim"/>
-                <a:cs typeface="Anaheim"/>
-                <a:sym typeface="Anaheim"/>
-              </a:rPr>
-              <a:t> regular </a:t>
-            </a:r>
-            <a:r>
-              <a:rPr lang="en-US" sz="1600" dirty="0" smtClean="0">
-                <a:solidFill>
-                  <a:schemeClr val="lt1"/>
-                </a:solidFill>
-                <a:latin typeface="Anaheim"/>
-                <a:ea typeface="Anaheim"/>
-                <a:cs typeface="Anaheim"/>
-                <a:sym typeface="Anaheim"/>
-              </a:rPr>
-              <a:t>expressions, reading and modifying files.</a:t>
-            </a:r>
-          </a:p>
-          <a:p>
-            <a:pPr marL="285750" lvl="0" indent="-285750" algn="just">
-              <a:lnSpc>
-                <a:spcPct val="115000"/>
-              </a:lnSpc>
-              <a:buFont typeface="Arial" panose="020B0604020202020204" pitchFamily="34" charset="0"/>
-              <a:buChar char="•"/>
-            </a:pPr>
-            <a:r>
-              <a:rPr lang="en-US" sz="1600" dirty="0" smtClean="0">
-                <a:solidFill>
-                  <a:schemeClr val="lt1"/>
-                </a:solidFill>
-                <a:latin typeface="Anaheim"/>
-                <a:ea typeface="Anaheim"/>
-                <a:cs typeface="Anaheim"/>
-                <a:sym typeface="Anaheim"/>
-              </a:rPr>
-              <a:t>Runs anywhere. Including Mac OS, Linux and Unix.</a:t>
-            </a:r>
-          </a:p>
-          <a:p>
-            <a:pPr marL="285750" lvl="0" indent="-285750" algn="just">
-              <a:lnSpc>
-                <a:spcPct val="115000"/>
-              </a:lnSpc>
-              <a:buFont typeface="Arial" panose="020B0604020202020204" pitchFamily="34" charset="0"/>
-              <a:buChar char="•"/>
-            </a:pPr>
-            <a:r>
-              <a:rPr lang="en-US" sz="1600" dirty="0" smtClean="0">
-                <a:solidFill>
-                  <a:schemeClr val="lt1"/>
-                </a:solidFill>
-                <a:latin typeface="Anaheim"/>
-                <a:ea typeface="Anaheim"/>
-                <a:cs typeface="Anaheim"/>
-                <a:sym typeface="Anaheim"/>
-              </a:rPr>
-              <a:t>Free language in two ways: First, it doesn’t cost any penny and second can be freely modified and redistributed.</a:t>
-            </a:r>
-            <a:endParaRPr lang="en-US" sz="1600" dirty="0">
-              <a:solidFill>
-                <a:schemeClr val="lt1"/>
-              </a:solidFill>
-              <a:latin typeface="Anaheim"/>
-              <a:ea typeface="Anaheim"/>
-              <a:cs typeface="Anaheim"/>
-              <a:sym typeface="Anaheim"/>
-            </a:endParaRPr>
-          </a:p>
-        </p:txBody>
-      </p:sp>
-    </p:spTree>
-  </p:cSld>
-  <p:clrMapOvr>
-    <a:masterClrMapping/>
-  </p:clrMapOvr>
-  <p:timing>
-    <p:tnLst>
-      <p:par>
-        <p:cTn id="1" dur="indefinite" restart="never" nodeType="tmRoot"/>
-      </p:par>
-    </p:tnLst>
-  </p:timing>
-</p:sld>
-</file>
-
-<file path=ppt/slides/slide7.xml><?xml version="1.0" encoding="utf-8"?>
-<p:sld xmlns:a="http://schemas.openxmlformats.org/drawingml/2006/main" xmlns:r="http://schemas.openxmlformats.org/officeDocument/2006/relationships" xmlns:p="http://schemas.openxmlformats.org/presentationml/2006/main">
-  <p:cSld>
-    <p:spTree>
-      <p:nvGrpSpPr>
-        <p:cNvPr id="1" name="Shape 379"/>
-        <p:cNvGrpSpPr/>
-        <p:nvPr/>
-      </p:nvGrpSpPr>
-      <p:grpSpPr>
-        <a:xfrm>
-          <a:off x="0" y="0"/>
-          <a:ext cx="0" cy="0"/>
-          <a:chOff x="0" y="0"/>
-          <a:chExt cx="0" cy="0"/>
-        </a:xfrm>
-      </p:grpSpPr>
-      <p:sp>
-        <p:nvSpPr>
-          <p:cNvPr id="380" name="Google Shape;380;p33"/>
-          <p:cNvSpPr txBox="1">
-            <a:spLocks noGrp="1"/>
-          </p:cNvSpPr>
-          <p:nvPr>
-            <p:ph type="body" idx="1"/>
-          </p:nvPr>
-        </p:nvSpPr>
-        <p:spPr>
-          <a:xfrm>
-            <a:off x="4579525" y="2388200"/>
-            <a:ext cx="3932700" cy="2130900"/>
-          </a:xfrm>
-          <a:prstGeom prst="rect">
-            <a:avLst/>
-          </a:prstGeom>
-        </p:spPr>
-        <p:txBody>
-          <a:bodyPr spcFirstLastPara="1" wrap="square" lIns="91425" tIns="91425" rIns="91425" bIns="91425" anchor="t" anchorCtr="0">
-            <a:noAutofit/>
-          </a:bodyPr>
-          <a:lstStyle/>
-          <a:p>
-            <a:pPr marL="342900" indent="-342900" algn="l">
-              <a:buFont typeface="+mj-lt"/>
-              <a:buAutoNum type="arabicPeriod"/>
-            </a:pPr>
-            <a:r>
-              <a:rPr lang="en-US" dirty="0"/>
-              <a:t>Easy to Read, Learn and Write</a:t>
-            </a:r>
-          </a:p>
-          <a:p>
-            <a:pPr marL="342900" indent="-342900" algn="l">
-              <a:buFont typeface="+mj-lt"/>
-              <a:buAutoNum type="arabicPeriod"/>
-            </a:pPr>
-            <a:r>
-              <a:rPr lang="en-US" dirty="0"/>
-              <a:t>Improved Productivity</a:t>
-            </a:r>
-          </a:p>
-          <a:p>
-            <a:pPr marL="342900" indent="-342900" algn="l">
-              <a:buFont typeface="+mj-lt"/>
-              <a:buAutoNum type="arabicPeriod"/>
-            </a:pPr>
-            <a:r>
-              <a:rPr lang="en-US" dirty="0"/>
-              <a:t>Interpreted Language</a:t>
-            </a:r>
-          </a:p>
-          <a:p>
-            <a:pPr marL="342900" indent="-342900" algn="l">
-              <a:buFont typeface="+mj-lt"/>
-              <a:buAutoNum type="arabicPeriod"/>
-            </a:pPr>
-            <a:r>
-              <a:rPr lang="en-US" dirty="0"/>
-              <a:t>Dynamically Typed</a:t>
-            </a:r>
-          </a:p>
-          <a:p>
-            <a:pPr marL="342900" indent="-342900" algn="l">
-              <a:buFont typeface="+mj-lt"/>
-              <a:buAutoNum type="arabicPeriod"/>
-            </a:pPr>
-            <a:r>
-              <a:rPr lang="en-US" dirty="0" smtClean="0"/>
-              <a:t>Free </a:t>
-            </a:r>
-            <a:r>
-              <a:rPr lang="en-US" dirty="0"/>
-              <a:t>and Open-Source</a:t>
-            </a:r>
-          </a:p>
-          <a:p>
-            <a:pPr marL="342900" indent="-342900" algn="l">
-              <a:buFont typeface="+mj-lt"/>
-              <a:buAutoNum type="arabicPeriod"/>
-            </a:pPr>
-            <a:r>
-              <a:rPr lang="en-US" dirty="0"/>
-              <a:t>Vast Libraries Support</a:t>
-            </a:r>
-          </a:p>
-          <a:p>
-            <a:pPr marL="342900" indent="-342900" algn="l">
-              <a:buFont typeface="+mj-lt"/>
-              <a:buAutoNum type="arabicPeriod"/>
-            </a:pPr>
-            <a:r>
-              <a:rPr lang="en-US" dirty="0"/>
-              <a:t>Portability</a:t>
-            </a:r>
-          </a:p>
-          <a:p>
-            <a:pPr marL="342900" lvl="0" indent="-342900" algn="l" rtl="0">
-              <a:spcBef>
-                <a:spcPts val="0"/>
-              </a:spcBef>
-              <a:spcAft>
-                <a:spcPts val="0"/>
-              </a:spcAft>
-              <a:buFont typeface="+mj-lt"/>
-              <a:buAutoNum type="arabicPeriod"/>
-            </a:pPr>
-            <a:endParaRPr dirty="0"/>
-          </a:p>
-        </p:txBody>
-      </p:sp>
-      <p:sp>
-        <p:nvSpPr>
-          <p:cNvPr id="381" name="Google Shape;381;p33"/>
-          <p:cNvSpPr txBox="1">
-            <a:spLocks noGrp="1"/>
-          </p:cNvSpPr>
-          <p:nvPr>
-            <p:ph type="title"/>
-          </p:nvPr>
-        </p:nvSpPr>
-        <p:spPr>
-          <a:xfrm>
-            <a:off x="4579531" y="1714800"/>
-            <a:ext cx="3963300" cy="669000"/>
-          </a:xfrm>
-          <a:prstGeom prst="rect">
-            <a:avLst/>
-          </a:prstGeom>
-        </p:spPr>
-        <p:txBody>
-          <a:bodyPr spcFirstLastPara="1" wrap="square" lIns="91425" tIns="91425" rIns="91425" bIns="91425" anchor="t" anchorCtr="0">
-            <a:noAutofit/>
-          </a:bodyPr>
-          <a:lstStyle/>
-          <a:p>
-            <a:pPr marL="0" lvl="0" indent="0" algn="r" rtl="0">
-              <a:spcBef>
-                <a:spcPts val="0"/>
-              </a:spcBef>
-              <a:spcAft>
-                <a:spcPts val="0"/>
-              </a:spcAft>
-              <a:buNone/>
-            </a:pPr>
-            <a:r>
-              <a:rPr lang="en-US" dirty="0" smtClean="0"/>
-              <a:t>ADVANTAGES</a:t>
-            </a:r>
-            <a:endParaRPr dirty="0"/>
-          </a:p>
-        </p:txBody>
-      </p:sp>
-    </p:spTree>
-  </p:cSld>
-  <p:clrMapOvr>
-    <a:masterClrMapping/>
-  </p:clrMapOvr>
-  <p:timing>
-    <p:tnLst>
-      <p:par>
-        <p:cTn id="1" dur="indefinite" restart="never" nodeType="tmRoot"/>
-      </p:par>
-    </p:tnLst>
-  </p:timing>
-</p:sld>
-</file>
-
-<file path=ppt/slides/slide8.xml><?xml version="1.0" encoding="utf-8"?>
-<p:sld xmlns:a="http://schemas.openxmlformats.org/drawingml/2006/main" xmlns:r="http://schemas.openxmlformats.org/officeDocument/2006/relationships" xmlns:p="http://schemas.openxmlformats.org/presentationml/2006/main">
-  <p:cSld>
-    <p:spTree>
-      <p:nvGrpSpPr>
-        <p:cNvPr id="1" name=""/>
-        <p:cNvGrpSpPr/>
-        <p:nvPr/>
-      </p:nvGrpSpPr>
-      <p:grpSpPr>
-        <a:xfrm>
-          <a:off x="0" y="0"/>
-          <a:ext cx="0" cy="0"/>
-          <a:chOff x="0" y="0"/>
-          <a:chExt cx="0" cy="0"/>
-        </a:xfrm>
-      </p:grpSpPr>
-      <p:sp>
-        <p:nvSpPr>
-          <p:cNvPr id="2" name="Text Placeholder 1"/>
-          <p:cNvSpPr>
-            <a:spLocks noGrp="1"/>
-          </p:cNvSpPr>
-          <p:nvPr>
-            <p:ph type="body" idx="1"/>
-          </p:nvPr>
-        </p:nvSpPr>
-        <p:spPr/>
-        <p:txBody>
-          <a:bodyPr/>
-          <a:lstStyle/>
-          <a:p>
-            <a:pPr marL="469900" indent="-342900" algn="l">
-              <a:buFont typeface="+mj-lt"/>
-              <a:buAutoNum type="arabicPeriod"/>
-            </a:pPr>
-            <a:r>
-              <a:rPr lang="en-US" dirty="0" smtClean="0"/>
-              <a:t>Slow </a:t>
-            </a:r>
-            <a:r>
-              <a:rPr lang="en-US" dirty="0"/>
-              <a:t>Speed</a:t>
-            </a:r>
-          </a:p>
-          <a:p>
-            <a:pPr marL="469900" indent="-342900" algn="l">
-              <a:buFont typeface="+mj-lt"/>
-              <a:buAutoNum type="arabicPeriod"/>
-            </a:pPr>
-            <a:r>
-              <a:rPr lang="en-US" dirty="0"/>
-              <a:t>Not Memory Efficient</a:t>
-            </a:r>
-          </a:p>
-          <a:p>
-            <a:pPr marL="469900" indent="-342900" algn="l">
-              <a:buFont typeface="+mj-lt"/>
-              <a:buAutoNum type="arabicPeriod"/>
-            </a:pPr>
-            <a:r>
-              <a:rPr lang="en-US" dirty="0"/>
-              <a:t>Weak in Mobile Computing</a:t>
-            </a:r>
-          </a:p>
-          <a:p>
-            <a:pPr marL="469900" indent="-342900" algn="l">
-              <a:buFont typeface="+mj-lt"/>
-              <a:buAutoNum type="arabicPeriod"/>
-            </a:pPr>
-            <a:r>
-              <a:rPr lang="en-US" dirty="0"/>
-              <a:t>Database Access</a:t>
-            </a:r>
-          </a:p>
-          <a:p>
-            <a:pPr marL="469900" indent="-342900" algn="l">
-              <a:buFont typeface="+mj-lt"/>
-              <a:buAutoNum type="arabicPeriod"/>
-            </a:pPr>
-            <a:r>
-              <a:rPr lang="en-US" dirty="0"/>
-              <a:t>Runtime Errors</a:t>
-            </a:r>
-          </a:p>
-          <a:p>
-            <a:pPr marL="469900" indent="-342900" algn="l">
-              <a:buFont typeface="+mj-lt"/>
-              <a:buAutoNum type="arabicPeriod"/>
-            </a:pPr>
-            <a:endParaRPr lang="en-US" dirty="0" smtClean="0"/>
-          </a:p>
-        </p:txBody>
-      </p:sp>
-      <p:sp>
-        <p:nvSpPr>
-          <p:cNvPr id="3" name="Title 2"/>
-          <p:cNvSpPr>
-            <a:spLocks noGrp="1"/>
-          </p:cNvSpPr>
-          <p:nvPr>
-            <p:ph type="title"/>
-          </p:nvPr>
-        </p:nvSpPr>
-        <p:spPr/>
-        <p:txBody>
-          <a:bodyPr/>
-          <a:lstStyle/>
-          <a:p>
-            <a:r>
-              <a:rPr lang="en-US" dirty="0" smtClean="0"/>
-              <a:t>DISADVANTAGES</a:t>
-            </a:r>
-            <a:endParaRPr lang="en-US" dirty="0"/>
-          </a:p>
-        </p:txBody>
-      </p:sp>
-    </p:spTree>
-    <p:extLst>
-      <p:ext uri="{BB962C8B-B14F-4D97-AF65-F5344CB8AC3E}">
-        <p14:creationId xmlns:p14="http://schemas.microsoft.com/office/powerpoint/2010/main" val="2261730146"/>
-      </p:ext>
-    </p:extLst>
-  </p:cSld>
-  <p:clrMapOvr>
-    <a:masterClrMapping/>
-  </p:clrMapOvr>
-  <p:timing>
-    <p:tnLst>
-      <p:par>
-        <p:cTn id="1" dur="indefinite" restart="never" nodeType="tmRoot"/>
-      </p:par>
-    </p:tnLst>
-  </p:timing>
-</p:sld>
-</file>
-
-<file path=ppt/slides/slide9.xml><?xml version="1.0" encoding="utf-8"?>
-<p:sld xmlns:a="http://schemas.openxmlformats.org/drawingml/2006/main" xmlns:r="http://schemas.openxmlformats.org/officeDocument/2006/relationships" xmlns:p="http://schemas.openxmlformats.org/presentationml/2006/main">
-  <p:cSld>
-    <p:spTree>
-      <p:nvGrpSpPr>
-        <p:cNvPr id="1" name=""/>
-        <p:cNvGrpSpPr/>
-        <p:nvPr/>
-      </p:nvGrpSpPr>
-      <p:grpSpPr>
-        <a:xfrm>
-          <a:off x="0" y="0"/>
-          <a:ext cx="0" cy="0"/>
-          <a:chOff x="0" y="0"/>
-          <a:chExt cx="0" cy="0"/>
-        </a:xfrm>
-      </p:grpSpPr>
-      <p:sp>
-        <p:nvSpPr>
-          <p:cNvPr id="2" name="Subtitle 1"/>
-          <p:cNvSpPr>
-            <a:spLocks noGrp="1"/>
-          </p:cNvSpPr>
-          <p:nvPr>
-            <p:ph type="subTitle" idx="1"/>
-          </p:nvPr>
-        </p:nvSpPr>
-        <p:spPr>
-          <a:xfrm flipH="1">
-            <a:off x="720000" y="1132375"/>
-            <a:ext cx="7704000" cy="3614286"/>
-          </a:xfrm>
-        </p:spPr>
-        <p:txBody>
-          <a:bodyPr/>
-          <a:lstStyle/>
-          <a:p>
-            <a:r>
-              <a:rPr lang="en-US" sz="1600" dirty="0"/>
-              <a:t>Python has become very popular in India due to its straightforward design, multifunctional nature, and convenience. </a:t>
-            </a:r>
-          </a:p>
-          <a:p>
-            <a:r>
-              <a:rPr lang="en-US" sz="1600" dirty="0" smtClean="0"/>
-              <a:t>Fresher's </a:t>
-            </a:r>
-            <a:r>
-              <a:rPr lang="en-US" sz="1600" dirty="0"/>
-              <a:t>who have completed a </a:t>
-            </a:r>
-            <a:r>
-              <a:rPr lang="en-US" sz="1600" b="1" dirty="0"/>
-              <a:t>Python Course</a:t>
-            </a:r>
-            <a:r>
-              <a:rPr lang="en-US" sz="1600" dirty="0"/>
-              <a:t> have experienced a 25% increase in their starting salaries compared to those without Python skills.</a:t>
-            </a:r>
-          </a:p>
-          <a:p>
-            <a:r>
-              <a:rPr lang="en-US" sz="1600" dirty="0"/>
-              <a:t>The demand for </a:t>
-            </a:r>
-            <a:r>
-              <a:rPr lang="en-US" sz="1600" b="1" u="sng" dirty="0">
-                <a:hlinkClick r:id="rId3"/>
-              </a:rPr>
-              <a:t>Python Training in Ahmedabad</a:t>
-            </a:r>
-            <a:r>
-              <a:rPr lang="en-US" sz="1600" dirty="0"/>
-              <a:t> has grown by 40% over the past two years.</a:t>
-            </a:r>
-          </a:p>
-          <a:p>
-            <a:r>
-              <a:rPr lang="en-US" sz="1600" dirty="0"/>
-              <a:t>A study revealed that Python is the most commonly employed language for handling data and analytics, web development and automation in India, with 44% of those surveyed </a:t>
-            </a:r>
-            <a:r>
-              <a:rPr lang="en-US" sz="1600" dirty="0" err="1"/>
-              <a:t>utilising</a:t>
-            </a:r>
-            <a:r>
-              <a:rPr lang="en-US" sz="1600" dirty="0"/>
-              <a:t> it.</a:t>
-            </a:r>
-          </a:p>
-          <a:p>
-            <a:r>
-              <a:rPr lang="en-US" sz="1600" dirty="0"/>
-              <a:t>Python's widespread use may be due to its effectiveness at handling complicated tasks and its large library of modules and packages, which enables programmers to build applications more quickly. </a:t>
-            </a:r>
-          </a:p>
-          <a:p>
-            <a:r>
-              <a:rPr lang="en-US" sz="1600" dirty="0"/>
-              <a:t>The need for Python developers is anticipated to expand even more as the Indian IT sector develops. </a:t>
-            </a:r>
-          </a:p>
-          <a:p>
-            <a:endParaRPr lang="en-US" sz="1600" dirty="0"/>
-          </a:p>
-        </p:txBody>
-      </p:sp>
-      <p:sp>
-        <p:nvSpPr>
-          <p:cNvPr id="3" name="Title 2"/>
-          <p:cNvSpPr>
-            <a:spLocks noGrp="1"/>
-          </p:cNvSpPr>
-          <p:nvPr>
-            <p:ph type="title"/>
-          </p:nvPr>
-        </p:nvSpPr>
-        <p:spPr/>
-        <p:txBody>
-          <a:bodyPr/>
-          <a:lstStyle/>
-          <a:p>
-            <a:r>
-              <a:rPr lang="en-US" dirty="0" smtClean="0"/>
-              <a:t>SCOPE &amp; FUTURE OF PYTHON</a:t>
-            </a:r>
-            <a:endParaRPr lang="en-US" dirty="0"/>
-          </a:p>
-        </p:txBody>
-      </p:sp>
-    </p:spTree>
-    <p:extLst>
-      <p:ext uri="{BB962C8B-B14F-4D97-AF65-F5344CB8AC3E}">
-        <p14:creationId xmlns:p14="http://schemas.microsoft.com/office/powerpoint/2010/main" val="183234713"/>
-      </p:ext>
-    </p:extLst>
-  </p:cSld>
-  <p:clrMapOvr>
-    <a:masterClrMapping/>
-  </p:clrMapOvr>
-  <p:timing>
-    <p:tnLst>
-      <p:par>
-        <p:cTn id="1" dur="indefinite" restart="never" nodeType="tmRoot"/>
-      </p:par>
-    </p:tnLst>
-  </p:timing>
-</p:sld>
-</file>
-
 <file path=ppt/theme/theme1.xml><?xml version="1.0" encoding="utf-8"?>
 <a:theme xmlns:a="http://schemas.openxmlformats.org/drawingml/2006/main" name="Programming Lesson by Slidesgo">
   <a:themeElements>
